--- a/spring/spring security강의.pptx
+++ b/spring/spring security강의.pptx
@@ -6,6 +6,9 @@
     <p:sldMasterId id="2147483672" r:id="rId2"/>
     <p:sldMasterId id="2147483684" r:id="rId3"/>
   </p:sldMasterIdLst>
+  <p:notesMasterIdLst>
+    <p:notesMasterId r:id="rId36"/>
+  </p:notesMasterIdLst>
   <p:sldIdLst>
     <p:sldId id="256" r:id="rId4"/>
     <p:sldId id="278" r:id="rId5"/>
@@ -1696,6 +1699,439 @@
 </inkml:ink>
 </file>
 
+<file path=ppt/notesMasters/notesMaster1.xml><?xml version="1.0" encoding="utf-8"?>
+<p:notesMaster xmlns:a="http://schemas.openxmlformats.org/drawingml/2006/main" xmlns:r="http://schemas.openxmlformats.org/officeDocument/2006/relationships" xmlns:p="http://schemas.openxmlformats.org/presentationml/2006/main">
+  <p:cSld>
+    <p:bg>
+      <p:bgRef idx="1001">
+        <a:schemeClr val="bg1"/>
+      </p:bgRef>
+    </p:bg>
+    <p:spTree>
+      <p:nvGrpSpPr>
+        <p:cNvPr id="1" name=""/>
+        <p:cNvGrpSpPr/>
+        <p:nvPr/>
+      </p:nvGrpSpPr>
+      <p:grpSpPr>
+        <a:xfrm>
+          <a:off x="0" y="0"/>
+          <a:ext cx="0" cy="0"/>
+          <a:chOff x="0" y="0"/>
+          <a:chExt cx="0" cy="0"/>
+        </a:xfrm>
+      </p:grpSpPr>
+      <p:sp>
+        <p:nvSpPr>
+          <p:cNvPr id="2" name="머리글 개체 틀 1"/>
+          <p:cNvSpPr>
+            <a:spLocks noGrp="1"/>
+          </p:cNvSpPr>
+          <p:nvPr>
+            <p:ph type="hdr" sz="quarter"/>
+          </p:nvPr>
+        </p:nvSpPr>
+        <p:spPr>
+          <a:xfrm>
+            <a:off x="0" y="0"/>
+            <a:ext cx="2971800" cy="458788"/>
+          </a:xfrm>
+          <a:prstGeom prst="rect">
+            <a:avLst/>
+          </a:prstGeom>
+        </p:spPr>
+        <p:txBody>
+          <a:bodyPr vert="horz" lIns="91440" tIns="45720" rIns="91440" bIns="45720" rtlCol="0"/>
+          <a:lstStyle>
+            <a:lvl1pPr algn="l">
+              <a:defRPr sz="1200"/>
+            </a:lvl1pPr>
+          </a:lstStyle>
+          <a:p>
+            <a:endParaRPr lang="ko-KR" altLang="en-US"/>
+          </a:p>
+        </p:txBody>
+      </p:sp>
+      <p:sp>
+        <p:nvSpPr>
+          <p:cNvPr id="3" name="날짜 개체 틀 2"/>
+          <p:cNvSpPr>
+            <a:spLocks noGrp="1"/>
+          </p:cNvSpPr>
+          <p:nvPr>
+            <p:ph type="dt" idx="1"/>
+          </p:nvPr>
+        </p:nvSpPr>
+        <p:spPr>
+          <a:xfrm>
+            <a:off x="3884613" y="0"/>
+            <a:ext cx="2971800" cy="458788"/>
+          </a:xfrm>
+          <a:prstGeom prst="rect">
+            <a:avLst/>
+          </a:prstGeom>
+        </p:spPr>
+        <p:txBody>
+          <a:bodyPr vert="horz" lIns="91440" tIns="45720" rIns="91440" bIns="45720" rtlCol="0"/>
+          <a:lstStyle>
+            <a:lvl1pPr algn="r">
+              <a:defRPr sz="1200"/>
+            </a:lvl1pPr>
+          </a:lstStyle>
+          <a:p>
+            <a:fld id="{AFF3A756-F515-45FC-AB93-B182A8F849C4}" type="datetimeFigureOut">
+              <a:rPr lang="ko-KR" altLang="en-US" smtClean="0"/>
+              <a:t>2022-03-10</a:t>
+            </a:fld>
+            <a:endParaRPr lang="ko-KR" altLang="en-US"/>
+          </a:p>
+        </p:txBody>
+      </p:sp>
+      <p:sp>
+        <p:nvSpPr>
+          <p:cNvPr id="4" name="슬라이드 이미지 개체 틀 3"/>
+          <p:cNvSpPr>
+            <a:spLocks noGrp="1" noRot="1" noChangeAspect="1"/>
+          </p:cNvSpPr>
+          <p:nvPr>
+            <p:ph type="sldImg" idx="2"/>
+          </p:nvPr>
+        </p:nvSpPr>
+        <p:spPr>
+          <a:xfrm>
+            <a:off x="1371600" y="1143000"/>
+            <a:ext cx="4114800" cy="3086100"/>
+          </a:xfrm>
+          <a:prstGeom prst="rect">
+            <a:avLst/>
+          </a:prstGeom>
+          <a:noFill/>
+          <a:ln w="12700">
+            <a:solidFill>
+              <a:prstClr val="black"/>
+            </a:solidFill>
+          </a:ln>
+        </p:spPr>
+        <p:txBody>
+          <a:bodyPr vert="horz" lIns="91440" tIns="45720" rIns="91440" bIns="45720" rtlCol="0" anchor="ctr"/>
+          <a:lstStyle/>
+          <a:p>
+            <a:endParaRPr lang="ko-KR" altLang="en-US"/>
+          </a:p>
+        </p:txBody>
+      </p:sp>
+      <p:sp>
+        <p:nvSpPr>
+          <p:cNvPr id="5" name="슬라이드 노트 개체 틀 4"/>
+          <p:cNvSpPr>
+            <a:spLocks noGrp="1"/>
+          </p:cNvSpPr>
+          <p:nvPr>
+            <p:ph type="body" sz="quarter" idx="3"/>
+          </p:nvPr>
+        </p:nvSpPr>
+        <p:spPr>
+          <a:xfrm>
+            <a:off x="685800" y="4400550"/>
+            <a:ext cx="5486400" cy="3600450"/>
+          </a:xfrm>
+          <a:prstGeom prst="rect">
+            <a:avLst/>
+          </a:prstGeom>
+        </p:spPr>
+        <p:txBody>
+          <a:bodyPr vert="horz" lIns="91440" tIns="45720" rIns="91440" bIns="45720" rtlCol="0"/>
+          <a:lstStyle/>
+          <a:p>
+            <a:pPr lvl="0"/>
+            <a:r>
+              <a:rPr lang="ko-KR" altLang="en-US"/>
+              <a:t>마스터 텍스트 스타일을 편집하려면 클릭</a:t>
+            </a:r>
+          </a:p>
+          <a:p>
+            <a:pPr lvl="1"/>
+            <a:r>
+              <a:rPr lang="ko-KR" altLang="en-US"/>
+              <a:t>두 번째 수준</a:t>
+            </a:r>
+          </a:p>
+          <a:p>
+            <a:pPr lvl="2"/>
+            <a:r>
+              <a:rPr lang="ko-KR" altLang="en-US"/>
+              <a:t>세 번째 수준</a:t>
+            </a:r>
+          </a:p>
+          <a:p>
+            <a:pPr lvl="3"/>
+            <a:r>
+              <a:rPr lang="ko-KR" altLang="en-US"/>
+              <a:t>네 번째 수준</a:t>
+            </a:r>
+          </a:p>
+          <a:p>
+            <a:pPr lvl="4"/>
+            <a:r>
+              <a:rPr lang="ko-KR" altLang="en-US"/>
+              <a:t>다섯 번째 수준</a:t>
+            </a:r>
+          </a:p>
+        </p:txBody>
+      </p:sp>
+      <p:sp>
+        <p:nvSpPr>
+          <p:cNvPr id="6" name="바닥글 개체 틀 5"/>
+          <p:cNvSpPr>
+            <a:spLocks noGrp="1"/>
+          </p:cNvSpPr>
+          <p:nvPr>
+            <p:ph type="ftr" sz="quarter" idx="4"/>
+          </p:nvPr>
+        </p:nvSpPr>
+        <p:spPr>
+          <a:xfrm>
+            <a:off x="0" y="8685213"/>
+            <a:ext cx="2971800" cy="458787"/>
+          </a:xfrm>
+          <a:prstGeom prst="rect">
+            <a:avLst/>
+          </a:prstGeom>
+        </p:spPr>
+        <p:txBody>
+          <a:bodyPr vert="horz" lIns="91440" tIns="45720" rIns="91440" bIns="45720" rtlCol="0" anchor="b"/>
+          <a:lstStyle>
+            <a:lvl1pPr algn="l">
+              <a:defRPr sz="1200"/>
+            </a:lvl1pPr>
+          </a:lstStyle>
+          <a:p>
+            <a:endParaRPr lang="ko-KR" altLang="en-US"/>
+          </a:p>
+        </p:txBody>
+      </p:sp>
+      <p:sp>
+        <p:nvSpPr>
+          <p:cNvPr id="7" name="슬라이드 번호 개체 틀 6"/>
+          <p:cNvSpPr>
+            <a:spLocks noGrp="1"/>
+          </p:cNvSpPr>
+          <p:nvPr>
+            <p:ph type="sldNum" sz="quarter" idx="5"/>
+          </p:nvPr>
+        </p:nvSpPr>
+        <p:spPr>
+          <a:xfrm>
+            <a:off x="3884613" y="8685213"/>
+            <a:ext cx="2971800" cy="458787"/>
+          </a:xfrm>
+          <a:prstGeom prst="rect">
+            <a:avLst/>
+          </a:prstGeom>
+        </p:spPr>
+        <p:txBody>
+          <a:bodyPr vert="horz" lIns="91440" tIns="45720" rIns="91440" bIns="45720" rtlCol="0" anchor="b"/>
+          <a:lstStyle>
+            <a:lvl1pPr algn="r">
+              <a:defRPr sz="1200"/>
+            </a:lvl1pPr>
+          </a:lstStyle>
+          <a:p>
+            <a:fld id="{D724ECDE-A426-4574-A529-9C6C381D5A31}" type="slidenum">
+              <a:rPr lang="ko-KR" altLang="en-US" smtClean="0"/>
+              <a:t>‹#›</a:t>
+            </a:fld>
+            <a:endParaRPr lang="ko-KR" altLang="en-US"/>
+          </a:p>
+        </p:txBody>
+      </p:sp>
+    </p:spTree>
+    <p:extLst>
+      <p:ext uri="{BB962C8B-B14F-4D97-AF65-F5344CB8AC3E}">
+        <p14:creationId xmlns:p14="http://schemas.microsoft.com/office/powerpoint/2010/main" val="2974496713"/>
+      </p:ext>
+    </p:extLst>
+  </p:cSld>
+  <p:clrMap bg1="lt1" tx1="dk1" bg2="lt2" tx2="dk2" accent1="accent1" accent2="accent2" accent3="accent3" accent4="accent4" accent5="accent5" accent6="accent6" hlink="hlink" folHlink="folHlink"/>
+  <p:notesStyle>
+    <a:lvl1pPr marL="0" algn="l" defTabSz="914400" rtl="0" eaLnBrk="1" latinLnBrk="1" hangingPunct="1">
+      <a:defRPr sz="1200" kern="1200">
+        <a:solidFill>
+          <a:schemeClr val="tx1"/>
+        </a:solidFill>
+        <a:latin typeface="+mn-lt"/>
+        <a:ea typeface="+mn-ea"/>
+        <a:cs typeface="+mn-cs"/>
+      </a:defRPr>
+    </a:lvl1pPr>
+    <a:lvl2pPr marL="457200" algn="l" defTabSz="914400" rtl="0" eaLnBrk="1" latinLnBrk="1" hangingPunct="1">
+      <a:defRPr sz="1200" kern="1200">
+        <a:solidFill>
+          <a:schemeClr val="tx1"/>
+        </a:solidFill>
+        <a:latin typeface="+mn-lt"/>
+        <a:ea typeface="+mn-ea"/>
+        <a:cs typeface="+mn-cs"/>
+      </a:defRPr>
+    </a:lvl2pPr>
+    <a:lvl3pPr marL="914400" algn="l" defTabSz="914400" rtl="0" eaLnBrk="1" latinLnBrk="1" hangingPunct="1">
+      <a:defRPr sz="1200" kern="1200">
+        <a:solidFill>
+          <a:schemeClr val="tx1"/>
+        </a:solidFill>
+        <a:latin typeface="+mn-lt"/>
+        <a:ea typeface="+mn-ea"/>
+        <a:cs typeface="+mn-cs"/>
+      </a:defRPr>
+    </a:lvl3pPr>
+    <a:lvl4pPr marL="1371600" algn="l" defTabSz="914400" rtl="0" eaLnBrk="1" latinLnBrk="1" hangingPunct="1">
+      <a:defRPr sz="1200" kern="1200">
+        <a:solidFill>
+          <a:schemeClr val="tx1"/>
+        </a:solidFill>
+        <a:latin typeface="+mn-lt"/>
+        <a:ea typeface="+mn-ea"/>
+        <a:cs typeface="+mn-cs"/>
+      </a:defRPr>
+    </a:lvl4pPr>
+    <a:lvl5pPr marL="1828800" algn="l" defTabSz="914400" rtl="0" eaLnBrk="1" latinLnBrk="1" hangingPunct="1">
+      <a:defRPr sz="1200" kern="1200">
+        <a:solidFill>
+          <a:schemeClr val="tx1"/>
+        </a:solidFill>
+        <a:latin typeface="+mn-lt"/>
+        <a:ea typeface="+mn-ea"/>
+        <a:cs typeface="+mn-cs"/>
+      </a:defRPr>
+    </a:lvl5pPr>
+    <a:lvl6pPr marL="2286000" algn="l" defTabSz="914400" rtl="0" eaLnBrk="1" latinLnBrk="1" hangingPunct="1">
+      <a:defRPr sz="1200" kern="1200">
+        <a:solidFill>
+          <a:schemeClr val="tx1"/>
+        </a:solidFill>
+        <a:latin typeface="+mn-lt"/>
+        <a:ea typeface="+mn-ea"/>
+        <a:cs typeface="+mn-cs"/>
+      </a:defRPr>
+    </a:lvl6pPr>
+    <a:lvl7pPr marL="2743200" algn="l" defTabSz="914400" rtl="0" eaLnBrk="1" latinLnBrk="1" hangingPunct="1">
+      <a:defRPr sz="1200" kern="1200">
+        <a:solidFill>
+          <a:schemeClr val="tx1"/>
+        </a:solidFill>
+        <a:latin typeface="+mn-lt"/>
+        <a:ea typeface="+mn-ea"/>
+        <a:cs typeface="+mn-cs"/>
+      </a:defRPr>
+    </a:lvl7pPr>
+    <a:lvl8pPr marL="3200400" algn="l" defTabSz="914400" rtl="0" eaLnBrk="1" latinLnBrk="1" hangingPunct="1">
+      <a:defRPr sz="1200" kern="1200">
+        <a:solidFill>
+          <a:schemeClr val="tx1"/>
+        </a:solidFill>
+        <a:latin typeface="+mn-lt"/>
+        <a:ea typeface="+mn-ea"/>
+        <a:cs typeface="+mn-cs"/>
+      </a:defRPr>
+    </a:lvl8pPr>
+    <a:lvl9pPr marL="3657600" algn="l" defTabSz="914400" rtl="0" eaLnBrk="1" latinLnBrk="1" hangingPunct="1">
+      <a:defRPr sz="1200" kern="1200">
+        <a:solidFill>
+          <a:schemeClr val="tx1"/>
+        </a:solidFill>
+        <a:latin typeface="+mn-lt"/>
+        <a:ea typeface="+mn-ea"/>
+        <a:cs typeface="+mn-cs"/>
+      </a:defRPr>
+    </a:lvl9pPr>
+  </p:notesStyle>
+</p:notesMaster>
+</file>
+
+<file path=ppt/notesSlides/notesSlide1.xml><?xml version="1.0" encoding="utf-8"?>
+<p:notes xmlns:a="http://schemas.openxmlformats.org/drawingml/2006/main" xmlns:r="http://schemas.openxmlformats.org/officeDocument/2006/relationships" xmlns:p="http://schemas.openxmlformats.org/presentationml/2006/main">
+  <p:cSld>
+    <p:spTree>
+      <p:nvGrpSpPr>
+        <p:cNvPr id="1" name=""/>
+        <p:cNvGrpSpPr/>
+        <p:nvPr/>
+      </p:nvGrpSpPr>
+      <p:grpSpPr>
+        <a:xfrm>
+          <a:off x="0" y="0"/>
+          <a:ext cx="0" cy="0"/>
+          <a:chOff x="0" y="0"/>
+          <a:chExt cx="0" cy="0"/>
+        </a:xfrm>
+      </p:grpSpPr>
+      <p:sp>
+        <p:nvSpPr>
+          <p:cNvPr id="2" name="슬라이드 이미지 개체 틀 1"/>
+          <p:cNvSpPr>
+            <a:spLocks noGrp="1" noRot="1" noChangeAspect="1"/>
+          </p:cNvSpPr>
+          <p:nvPr>
+            <p:ph type="sldImg"/>
+          </p:nvPr>
+        </p:nvSpPr>
+        <p:spPr/>
+      </p:sp>
+      <p:sp>
+        <p:nvSpPr>
+          <p:cNvPr id="3" name="슬라이드 노트 개체 틀 2"/>
+          <p:cNvSpPr>
+            <a:spLocks noGrp="1"/>
+          </p:cNvSpPr>
+          <p:nvPr>
+            <p:ph type="body" idx="1"/>
+          </p:nvPr>
+        </p:nvSpPr>
+        <p:spPr/>
+        <p:txBody>
+          <a:bodyPr/>
+          <a:lstStyle/>
+          <a:p>
+            <a:endParaRPr lang="ko-KR" altLang="en-US" dirty="0"/>
+          </a:p>
+        </p:txBody>
+      </p:sp>
+      <p:sp>
+        <p:nvSpPr>
+          <p:cNvPr id="4" name="슬라이드 번호 개체 틀 3"/>
+          <p:cNvSpPr>
+            <a:spLocks noGrp="1"/>
+          </p:cNvSpPr>
+          <p:nvPr>
+            <p:ph type="sldNum" sz="quarter" idx="5"/>
+          </p:nvPr>
+        </p:nvSpPr>
+        <p:spPr/>
+        <p:txBody>
+          <a:bodyPr/>
+          <a:lstStyle/>
+          <a:p>
+            <a:fld id="{D724ECDE-A426-4574-A529-9C6C381D5A31}" type="slidenum">
+              <a:rPr lang="ko-KR" altLang="en-US" smtClean="0"/>
+              <a:t>19</a:t>
+            </a:fld>
+            <a:endParaRPr lang="ko-KR" altLang="en-US"/>
+          </a:p>
+        </p:txBody>
+      </p:sp>
+    </p:spTree>
+    <p:extLst>
+      <p:ext uri="{BB962C8B-B14F-4D97-AF65-F5344CB8AC3E}">
+        <p14:creationId xmlns:p14="http://schemas.microsoft.com/office/powerpoint/2010/main" val="3410821538"/>
+      </p:ext>
+    </p:extLst>
+  </p:cSld>
+  <p:clrMapOvr>
+    <a:masterClrMapping/>
+  </p:clrMapOvr>
+</p:notes>
+</file>
+
 <file path=ppt/slideLayouts/slideLayout1.xml><?xml version="1.0" encoding="utf-8"?>
 <p:sldLayout xmlns:a="http://schemas.openxmlformats.org/drawingml/2006/main" xmlns:r="http://schemas.openxmlformats.org/officeDocument/2006/relationships" xmlns:p="http://schemas.openxmlformats.org/presentationml/2006/main" showMasterSp="0" type="title" preserve="1">
   <p:cSld name="제목 슬라이드">
@@ -2314,7 +2750,7 @@
             <a:fld id="{B2A299A9-747B-4128-875C-BF89F6943F87}" type="datetimeFigureOut">
               <a:rPr lang="en-US" smtClean="0"/>
               <a:pPr/>
-              <a:t>3/8/2022</a:t>
+              <a:t>3/10/2022</a:t>
             </a:fld>
             <a:endParaRPr lang="en-US"/>
           </a:p>
@@ -2506,7 +2942,7 @@
             <a:fld id="{B2A299A9-747B-4128-875C-BF89F6943F87}" type="datetimeFigureOut">
               <a:rPr lang="en-US" smtClean="0"/>
               <a:pPr/>
-              <a:t>3/8/2022</a:t>
+              <a:t>3/10/2022</a:t>
             </a:fld>
             <a:endParaRPr lang="en-US"/>
           </a:p>
@@ -2683,7 +3119,7 @@
             <a:fld id="{B2A299A9-747B-4128-875C-BF89F6943F87}" type="datetimeFigureOut">
               <a:rPr lang="en-US" smtClean="0"/>
               <a:pPr/>
-              <a:t>3/8/2022</a:t>
+              <a:t>3/10/2022</a:t>
             </a:fld>
             <a:endParaRPr lang="en-US"/>
           </a:p>
@@ -2834,7 +3270,7 @@
                 </a:solidFill>
               </a:rPr>
               <a:pPr defTabSz="685800" latinLnBrk="1"/>
-              <a:t>2022-03-08</a:t>
+              <a:t>2022-03-10</a:t>
             </a:fld>
             <a:endParaRPr lang="ko-KR" altLang="en-US">
               <a:solidFill>
@@ -4906,7 +5342,7 @@
                 </a:solidFill>
               </a:rPr>
               <a:pPr defTabSz="685800" latinLnBrk="1"/>
-              <a:t>2022-03-08</a:t>
+              <a:t>2022-03-10</a:t>
             </a:fld>
             <a:endParaRPr lang="ko-KR" altLang="en-US">
               <a:solidFill>
@@ -17081,7 +17517,7 @@
                 </a:solidFill>
               </a:rPr>
               <a:pPr defTabSz="685800" latinLnBrk="1"/>
-              <a:t>2022-03-08</a:t>
+              <a:t>2022-03-10</a:t>
             </a:fld>
             <a:endParaRPr lang="ko-KR" altLang="en-US">
               <a:solidFill>
@@ -17345,7 +17781,7 @@
                 </a:solidFill>
               </a:rPr>
               <a:pPr defTabSz="685800" latinLnBrk="1"/>
-              <a:t>2022-03-08</a:t>
+              <a:t>2022-03-10</a:t>
             </a:fld>
             <a:endParaRPr lang="ko-KR" altLang="en-US">
               <a:solidFill>
@@ -17744,7 +18180,7 @@
                 </a:solidFill>
               </a:rPr>
               <a:pPr defTabSz="685800" latinLnBrk="1"/>
-              <a:t>2022-03-08</a:t>
+              <a:t>2022-03-10</a:t>
             </a:fld>
             <a:endParaRPr lang="ko-KR" altLang="en-US">
               <a:solidFill>
@@ -17896,7 +18332,7 @@
                 </a:solidFill>
               </a:rPr>
               <a:pPr defTabSz="685800" latinLnBrk="1"/>
-              <a:t>2022-03-08</a:t>
+              <a:t>2022-03-10</a:t>
             </a:fld>
             <a:endParaRPr lang="ko-KR" altLang="en-US">
               <a:solidFill>
@@ -18026,7 +18462,7 @@
                 </a:solidFill>
               </a:rPr>
               <a:pPr defTabSz="685800" latinLnBrk="1"/>
-              <a:t>2022-03-08</a:t>
+              <a:t>2022-03-10</a:t>
             </a:fld>
             <a:endParaRPr lang="ko-KR" altLang="en-US">
               <a:solidFill>
@@ -18336,7 +18772,7 @@
                 </a:solidFill>
               </a:rPr>
               <a:pPr defTabSz="685800" latinLnBrk="1"/>
-              <a:t>2022-03-08</a:t>
+              <a:t>2022-03-10</a:t>
             </a:fld>
             <a:endParaRPr lang="ko-KR" altLang="en-US">
               <a:solidFill>
@@ -18511,7 +18947,7 @@
             <a:fld id="{B2A299A9-747B-4128-875C-BF89F6943F87}" type="datetimeFigureOut">
               <a:rPr lang="en-US" smtClean="0"/>
               <a:pPr/>
-              <a:t>3/8/2022</a:t>
+              <a:t>3/10/2022</a:t>
             </a:fld>
             <a:endParaRPr lang="en-US"/>
           </a:p>
@@ -18790,7 +19226,7 @@
                 </a:solidFill>
               </a:rPr>
               <a:pPr defTabSz="685800" latinLnBrk="1"/>
-              <a:t>2022-03-08</a:t>
+              <a:t>2022-03-10</a:t>
             </a:fld>
             <a:endParaRPr lang="ko-KR" altLang="en-US">
               <a:solidFill>
@@ -18993,7 +19429,7 @@
                 </a:solidFill>
               </a:rPr>
               <a:pPr defTabSz="685800" latinLnBrk="1"/>
-              <a:t>2022-03-08</a:t>
+              <a:t>2022-03-10</a:t>
             </a:fld>
             <a:endParaRPr lang="ko-KR" altLang="en-US">
               <a:solidFill>
@@ -19206,7 +19642,7 @@
                 </a:solidFill>
               </a:rPr>
               <a:pPr defTabSz="685800" latinLnBrk="1"/>
-              <a:t>2022-03-08</a:t>
+              <a:t>2022-03-10</a:t>
             </a:fld>
             <a:endParaRPr lang="ko-KR" altLang="en-US">
               <a:solidFill>
@@ -19388,7 +19824,7 @@
                 </a:solidFill>
               </a:rPr>
               <a:pPr defTabSz="685800" latinLnBrk="1"/>
-              <a:t>2022-03-08</a:t>
+              <a:t>2022-03-10</a:t>
             </a:fld>
             <a:endParaRPr lang="ko-KR" altLang="en-US">
               <a:solidFill>
@@ -21460,7 +21896,7 @@
                 </a:solidFill>
               </a:rPr>
               <a:pPr defTabSz="685800" latinLnBrk="1"/>
-              <a:t>2022-03-08</a:t>
+              <a:t>2022-03-10</a:t>
             </a:fld>
             <a:endParaRPr lang="ko-KR" altLang="en-US">
               <a:solidFill>
@@ -33635,7 +34071,7 @@
                 </a:solidFill>
               </a:rPr>
               <a:pPr defTabSz="685800" latinLnBrk="1"/>
-              <a:t>2022-03-08</a:t>
+              <a:t>2022-03-10</a:t>
             </a:fld>
             <a:endParaRPr lang="ko-KR" altLang="en-US">
               <a:solidFill>
@@ -33899,7 +34335,7 @@
                 </a:solidFill>
               </a:rPr>
               <a:pPr defTabSz="685800" latinLnBrk="1"/>
-              <a:t>2022-03-08</a:t>
+              <a:t>2022-03-10</a:t>
             </a:fld>
             <a:endParaRPr lang="ko-KR" altLang="en-US">
               <a:solidFill>
@@ -34298,7 +34734,7 @@
                 </a:solidFill>
               </a:rPr>
               <a:pPr defTabSz="685800" latinLnBrk="1"/>
-              <a:t>2022-03-08</a:t>
+              <a:t>2022-03-10</a:t>
             </a:fld>
             <a:endParaRPr lang="ko-KR" altLang="en-US">
               <a:solidFill>
@@ -34450,7 +34886,7 @@
                 </a:solidFill>
               </a:rPr>
               <a:pPr defTabSz="685800" latinLnBrk="1"/>
-              <a:t>2022-03-08</a:t>
+              <a:t>2022-03-10</a:t>
             </a:fld>
             <a:endParaRPr lang="ko-KR" altLang="en-US">
               <a:solidFill>
@@ -34580,7 +35016,7 @@
                 </a:solidFill>
               </a:rPr>
               <a:pPr defTabSz="685800" latinLnBrk="1"/>
-              <a:t>2022-03-08</a:t>
+              <a:t>2022-03-10</a:t>
             </a:fld>
             <a:endParaRPr lang="ko-KR" altLang="en-US">
               <a:solidFill>
@@ -34837,7 +35273,7 @@
             <a:fld id="{B2A299A9-747B-4128-875C-BF89F6943F87}" type="datetimeFigureOut">
               <a:rPr lang="en-US" smtClean="0"/>
               <a:pPr/>
-              <a:t>3/8/2022</a:t>
+              <a:t>3/10/2022</a:t>
             </a:fld>
             <a:endParaRPr lang="en-US"/>
           </a:p>
@@ -35272,7 +35708,7 @@
                 </a:solidFill>
               </a:rPr>
               <a:pPr defTabSz="685800" latinLnBrk="1"/>
-              <a:t>2022-03-08</a:t>
+              <a:t>2022-03-10</a:t>
             </a:fld>
             <a:endParaRPr lang="ko-KR" altLang="en-US">
               <a:solidFill>
@@ -35559,7 +35995,7 @@
                 </a:solidFill>
               </a:rPr>
               <a:pPr defTabSz="685800" latinLnBrk="1"/>
-              <a:t>2022-03-08</a:t>
+              <a:t>2022-03-10</a:t>
             </a:fld>
             <a:endParaRPr lang="ko-KR" altLang="en-US">
               <a:solidFill>
@@ -35762,7 +36198,7 @@
                 </a:solidFill>
               </a:rPr>
               <a:pPr defTabSz="685800" latinLnBrk="1"/>
-              <a:t>2022-03-08</a:t>
+              <a:t>2022-03-10</a:t>
             </a:fld>
             <a:endParaRPr lang="ko-KR" altLang="en-US">
               <a:solidFill>
@@ -35975,7 +36411,7 @@
                 </a:solidFill>
               </a:rPr>
               <a:pPr defTabSz="685800" latinLnBrk="1"/>
-              <a:t>2022-03-08</a:t>
+              <a:t>2022-03-10</a:t>
             </a:fld>
             <a:endParaRPr lang="ko-KR" altLang="en-US">
               <a:solidFill>
@@ -36251,7 +36687,7 @@
             <a:fld id="{B2A299A9-747B-4128-875C-BF89F6943F87}" type="datetimeFigureOut">
               <a:rPr lang="en-US" smtClean="0"/>
               <a:pPr/>
-              <a:t>3/8/2022</a:t>
+              <a:t>3/10/2022</a:t>
             </a:fld>
             <a:endParaRPr lang="en-US"/>
           </a:p>
@@ -36691,7 +37127,7 @@
             <a:fld id="{B2A299A9-747B-4128-875C-BF89F6943F87}" type="datetimeFigureOut">
               <a:rPr lang="en-US" smtClean="0"/>
               <a:pPr/>
-              <a:t>3/8/2022</a:t>
+              <a:t>3/10/2022</a:t>
             </a:fld>
             <a:endParaRPr lang="en-US"/>
           </a:p>
@@ -36788,7 +37224,7 @@
             <a:fld id="{B2A299A9-747B-4128-875C-BF89F6943F87}" type="datetimeFigureOut">
               <a:rPr lang="en-US" smtClean="0"/>
               <a:pPr/>
-              <a:t>3/8/2022</a:t>
+              <a:t>3/10/2022</a:t>
             </a:fld>
             <a:endParaRPr lang="en-US"/>
           </a:p>
@@ -36903,7 +37339,7 @@
             <a:fld id="{B2A299A9-747B-4128-875C-BF89F6943F87}" type="datetimeFigureOut">
               <a:rPr lang="en-US" smtClean="0"/>
               <a:pPr/>
-              <a:t>3/8/2022</a:t>
+              <a:t>3/10/2022</a:t>
             </a:fld>
             <a:endParaRPr lang="en-US"/>
           </a:p>
@@ -37173,7 +37609,7 @@
             <a:fld id="{B2A299A9-747B-4128-875C-BF89F6943F87}" type="datetimeFigureOut">
               <a:rPr lang="en-US" smtClean="0"/>
               <a:pPr/>
-              <a:t>3/8/2022</a:t>
+              <a:t>3/10/2022</a:t>
             </a:fld>
             <a:endParaRPr lang="en-US"/>
           </a:p>
@@ -37376,7 +37812,7 @@
             <a:fld id="{B2A299A9-747B-4128-875C-BF89F6943F87}" type="datetimeFigureOut">
               <a:rPr lang="en-US" smtClean="0"/>
               <a:pPr/>
-              <a:t>3/8/2022</a:t>
+              <a:t>3/10/2022</a:t>
             </a:fld>
             <a:endParaRPr lang="en-US"/>
           </a:p>
@@ -38467,7 +38903,7 @@
             <a:fld id="{B2A299A9-747B-4128-875C-BF89F6943F87}" type="datetimeFigureOut">
               <a:rPr lang="en-US" smtClean="0"/>
               <a:pPr/>
-              <a:t>3/8/2022</a:t>
+              <a:t>3/10/2022</a:t>
             </a:fld>
             <a:endParaRPr lang="en-US"/>
           </a:p>
@@ -39016,7 +39452,7 @@
                 </a:solidFill>
               </a:rPr>
               <a:pPr defTabSz="685800" latinLnBrk="1"/>
-              <a:t>2022-03-08</a:t>
+              <a:t>2022-03-10</a:t>
             </a:fld>
             <a:endParaRPr lang="ko-KR" altLang="en-US">
               <a:solidFill>
@@ -39589,7 +40025,7 @@
                 </a:solidFill>
               </a:rPr>
               <a:pPr defTabSz="685800" latinLnBrk="1"/>
-              <a:t>2022-03-08</a:t>
+              <a:t>2022-03-10</a:t>
             </a:fld>
             <a:endParaRPr lang="ko-KR" altLang="en-US">
               <a:solidFill>
@@ -40564,54 +41000,54 @@
               <a:buNone/>
             </a:pPr>
             <a:r>
-              <a:rPr lang="en-US" b="1"/>
+              <a:rPr lang="en-US" b="1" dirty="0"/>
               <a:t>2. </a:t>
             </a:r>
             <a:r>
-              <a:rPr lang="en-US" altLang="ko-KR" b="1"/>
+              <a:rPr lang="en-US" altLang="ko-KR" b="1" dirty="0"/>
               <a:t>spring</a:t>
             </a:r>
             <a:r>
-              <a:rPr lang="ko-KR" altLang="en-US" b="1"/>
+              <a:rPr lang="ko-KR" altLang="en-US" b="1" dirty="0"/>
               <a:t> </a:t>
             </a:r>
             <a:r>
-              <a:rPr lang="en-US" altLang="ko-KR" b="1"/>
+              <a:rPr lang="en-US" altLang="ko-KR" b="1" dirty="0"/>
               <a:t>security </a:t>
             </a:r>
             <a:r>
-              <a:rPr lang="ko-KR" altLang="en-US" b="1"/>
+              <a:rPr lang="ko-KR" altLang="en-US" b="1" dirty="0"/>
               <a:t>활성화 </a:t>
             </a:r>
             <a:br>
-              <a:rPr lang="en-US" altLang="ko-KR" b="1"/>
+              <a:rPr lang="en-US" altLang="ko-KR" b="1" dirty="0"/>
             </a:br>
             <a:r>
-              <a:rPr lang="en-US" b="1"/>
+              <a:rPr lang="en-US" b="1" dirty="0"/>
               <a:t>&lt;!-- Security filter</a:t>
             </a:r>
             <a:r>
-              <a:rPr lang="ko-KR" altLang="en-US" b="1"/>
+              <a:rPr lang="ko-KR" altLang="en-US" b="1" dirty="0"/>
               <a:t>를</a:t>
             </a:r>
             <a:r>
-              <a:rPr lang="en-US" b="1"/>
+              <a:rPr lang="en-US" b="1" dirty="0"/>
               <a:t> web.xml</a:t>
             </a:r>
             <a:r>
-              <a:rPr lang="ko-KR" altLang="en-US" b="1"/>
+              <a:rPr lang="ko-KR" altLang="en-US" b="1" dirty="0"/>
               <a:t>에</a:t>
             </a:r>
             <a:r>
-              <a:rPr lang="en-US" b="1"/>
+              <a:rPr lang="en-US" b="1" dirty="0"/>
               <a:t> </a:t>
             </a:r>
             <a:r>
-              <a:rPr lang="ko-KR" altLang="en-US" b="1"/>
+              <a:rPr lang="ko-KR" altLang="en-US" b="1" dirty="0"/>
               <a:t>추가 </a:t>
             </a:r>
             <a:r>
-              <a:rPr lang="en-US" altLang="ko-KR" b="1"/>
+              <a:rPr lang="en-US" altLang="ko-KR" b="1" dirty="0"/>
               <a:t>--&gt;</a:t>
             </a:r>
           </a:p>
@@ -40620,11 +41056,11 @@
               <a:buNone/>
             </a:pPr>
             <a:r>
-              <a:rPr lang="en-US" altLang="ko-KR" sz="2400" b="1"/>
+              <a:rPr lang="en-US" altLang="ko-KR" sz="2400" b="1" dirty="0"/>
               <a:t>&lt;</a:t>
             </a:r>
             <a:r>
-              <a:rPr lang="en-US" sz="2400" b="1"/>
+              <a:rPr lang="en-US" sz="2400" b="1" dirty="0"/>
               <a:t>filter&gt;</a:t>
             </a:r>
           </a:p>
@@ -40633,8 +41069,16 @@
               <a:buNone/>
             </a:pPr>
             <a:r>
-              <a:rPr lang="en-US" sz="2400" b="1"/>
-              <a:t>&lt;filter-name&gt;springSecurityFilterChain&lt;/filter-name&gt;</a:t>
+              <a:rPr lang="en-US" sz="2400" b="1" dirty="0"/>
+              <a:t>&lt;filter-name&gt;</a:t>
+            </a:r>
+            <a:r>
+              <a:rPr lang="en-US" sz="2400" b="1" dirty="0" err="1"/>
+              <a:t>springSecurityFilterChain</a:t>
+            </a:r>
+            <a:r>
+              <a:rPr lang="en-US" sz="2400" b="1" dirty="0"/>
+              <a:t>&lt;/filter-name&gt;</a:t>
             </a:r>
           </a:p>
           <a:p>
@@ -40642,7 +41086,7 @@
               <a:buNone/>
             </a:pPr>
             <a:r>
-              <a:rPr lang="en-US" sz="2400" b="1"/>
+              <a:rPr lang="en-US" sz="2400" b="1" dirty="0"/>
               <a:t>   &lt;filter-class&gt;</a:t>
             </a:r>
           </a:p>
@@ -40651,14 +41095,18 @@
               <a:buNone/>
             </a:pPr>
             <a:r>
-              <a:rPr lang="en-US" sz="2400" b="1"/>
-              <a:t>    org.springframework.web.filter.DelegatingFilterProxy</a:t>
+              <a:rPr lang="en-US" sz="2400" b="1" dirty="0"/>
+              <a:t>    </a:t>
+            </a:r>
+            <a:r>
+              <a:rPr lang="en-US" sz="2400" b="1" dirty="0" err="1"/>
+              <a:t>org.springframework.web.filter.DelegatingFilterProxy</a:t>
             </a:r>
             <a:br>
-              <a:rPr lang="en-US" sz="2400" b="1"/>
+              <a:rPr lang="en-US" sz="2400" b="1" dirty="0"/>
             </a:br>
             <a:r>
-              <a:rPr lang="en-US" sz="2400" b="1"/>
+              <a:rPr lang="en-US" sz="2400" b="1" dirty="0"/>
               <a:t>&lt;/filter-class&gt;</a:t>
             </a:r>
           </a:p>
@@ -40667,7 +41115,7 @@
               <a:buNone/>
             </a:pPr>
             <a:r>
-              <a:rPr lang="en-US" sz="2400" b="1"/>
+              <a:rPr lang="en-US" sz="2400" b="1" dirty="0"/>
               <a:t>&lt;/filter&gt;</a:t>
             </a:r>
           </a:p>
@@ -40676,15 +41124,23 @@
               <a:buNone/>
             </a:pPr>
             <a:r>
-              <a:rPr lang="en-US" sz="2400" b="1"/>
+              <a:rPr lang="en-US" sz="2400" b="1" dirty="0"/>
               <a:t>&lt;!-- spring security</a:t>
             </a:r>
             <a:r>
-              <a:rPr lang="ko-KR" altLang="en-US" sz="2400" b="1"/>
-              <a:t>를 모든 경로 요청시 적용 </a:t>
-            </a:r>
-            <a:r>
-              <a:rPr lang="en-US" altLang="ko-KR" sz="2400" b="1"/>
+              <a:rPr lang="ko-KR" altLang="en-US" sz="2400" b="1" dirty="0"/>
+              <a:t>를 모든 경로 </a:t>
+            </a:r>
+            <a:r>
+              <a:rPr lang="ko-KR" altLang="en-US" sz="2400" b="1" dirty="0" err="1"/>
+              <a:t>요청시</a:t>
+            </a:r>
+            <a:r>
+              <a:rPr lang="ko-KR" altLang="en-US" sz="2400" b="1" dirty="0"/>
+              <a:t> 적용 </a:t>
+            </a:r>
+            <a:r>
+              <a:rPr lang="en-US" altLang="ko-KR" sz="2400" b="1" dirty="0"/>
               <a:t>--&gt;</a:t>
             </a:r>
           </a:p>
@@ -40693,11 +41149,11 @@
               <a:buNone/>
             </a:pPr>
             <a:r>
-              <a:rPr lang="en-US" altLang="ko-KR" sz="2400" b="1"/>
+              <a:rPr lang="en-US" altLang="ko-KR" sz="2400" b="1" dirty="0"/>
               <a:t>&lt;</a:t>
             </a:r>
             <a:r>
-              <a:rPr lang="en-US" sz="2400" b="1"/>
+              <a:rPr lang="en-US" sz="2400" b="1" dirty="0"/>
               <a:t>filter-mapping&gt;</a:t>
             </a:r>
           </a:p>
@@ -40706,8 +41162,16 @@
               <a:buNone/>
             </a:pPr>
             <a:r>
-              <a:rPr lang="en-US" sz="2400" b="1"/>
-              <a:t>&lt;filter-name&gt;springSecurityFilterChain&lt;/filter-name&gt;</a:t>
+              <a:rPr lang="en-US" sz="2400" b="1" dirty="0"/>
+              <a:t>&lt;filter-name&gt;</a:t>
+            </a:r>
+            <a:r>
+              <a:rPr lang="en-US" sz="2400" b="1" dirty="0" err="1"/>
+              <a:t>springSecurityFilterChain</a:t>
+            </a:r>
+            <a:r>
+              <a:rPr lang="en-US" sz="2400" b="1" dirty="0"/>
+              <a:t>&lt;/filter-name&gt;</a:t>
             </a:r>
           </a:p>
           <a:p>
@@ -40715,8 +41179,24 @@
               <a:buNone/>
             </a:pPr>
             <a:r>
-              <a:rPr lang="en-US" sz="2400" b="1"/>
-              <a:t>&lt;url-pattern&gt;/*&lt;/url-pattern&gt; </a:t>
+              <a:rPr lang="en-US" sz="2400" b="1" dirty="0"/>
+              <a:t>&lt;</a:t>
+            </a:r>
+            <a:r>
+              <a:rPr lang="en-US" sz="2400" b="1" dirty="0" err="1"/>
+              <a:t>url</a:t>
+            </a:r>
+            <a:r>
+              <a:rPr lang="en-US" sz="2400" b="1" dirty="0"/>
+              <a:t>-pattern&gt;/*&lt;/</a:t>
+            </a:r>
+            <a:r>
+              <a:rPr lang="en-US" sz="2400" b="1" dirty="0" err="1"/>
+              <a:t>url</a:t>
+            </a:r>
+            <a:r>
+              <a:rPr lang="en-US" sz="2400" b="1" dirty="0"/>
+              <a:t>-pattern&gt; </a:t>
             </a:r>
           </a:p>
           <a:p>
@@ -40724,7 +41204,7 @@
               <a:buNone/>
             </a:pPr>
             <a:r>
-              <a:rPr lang="en-US" sz="2400" b="1"/>
+              <a:rPr lang="en-US" sz="2400" b="1" dirty="0"/>
               <a:t>&lt;/filter-mapping&gt;</a:t>
             </a:r>
           </a:p>
@@ -40732,39 +41212,47 @@
             <a:pPr>
               <a:buNone/>
             </a:pPr>
-            <a:endParaRPr lang="en-US" sz="2400" b="1"/>
+            <a:endParaRPr lang="en-US" sz="2400" b="1" dirty="0"/>
           </a:p>
           <a:p>
             <a:pPr>
               <a:buNone/>
             </a:pPr>
             <a:r>
-              <a:rPr lang="en-US" sz="2400" b="1"/>
+              <a:rPr lang="en-US" sz="2400" b="1" dirty="0"/>
               <a:t>**</a:t>
             </a:r>
             <a:r>
-              <a:rPr lang="en-US" altLang="ko-KR" sz="2400" b="1"/>
+              <a:rPr lang="en-US" altLang="ko-KR" sz="2400" b="1" dirty="0" err="1"/>
               <a:t>DelegatingFilterProxy</a:t>
             </a:r>
             <a:r>
-              <a:rPr lang="ko-KR" altLang="en-US" sz="2400" b="1"/>
-              <a:t>는 모든 요청을 가로채는 </a:t>
-            </a:r>
-            <a:r>
-              <a:rPr lang="en-US" altLang="ko-KR" sz="2400" b="1"/>
+              <a:rPr lang="ko-KR" altLang="en-US" sz="2400" b="1" dirty="0"/>
+              <a:t>는 모든 요청</a:t>
+            </a:r>
+            <a:r>
+              <a:rPr lang="en-US" altLang="ko-KR" sz="2400" b="1" dirty="0"/>
+              <a:t>, </a:t>
+            </a:r>
+            <a:r>
+              <a:rPr lang="ko-KR" altLang="en-US" sz="2400" b="1" dirty="0"/>
+              <a:t>응답을 가로채는 </a:t>
+            </a:r>
+            <a:r>
+              <a:rPr lang="en-US" altLang="ko-KR" sz="2400" b="1" dirty="0"/>
               <a:t>Filter</a:t>
             </a:r>
             <a:r>
-              <a:rPr lang="ko-KR" altLang="en-US" sz="2400" b="1"/>
+              <a:rPr lang="ko-KR" altLang="en-US" sz="2400" b="1" dirty="0"/>
               <a:t>이다</a:t>
             </a:r>
-            <a:endParaRPr lang="en-US" sz="2400" b="1"/>
+            <a:endParaRPr lang="en-US" sz="2400" b="1" dirty="0"/>
           </a:p>
           <a:p>
             <a:pPr>
               <a:buNone/>
             </a:pPr>
-            <a:endParaRPr lang="en-US" b="1"/>
+            <a:endParaRPr lang="en-US" b="1" dirty="0"/>
           </a:p>
         </p:txBody>
       </p:sp>
@@ -40819,30 +41307,30 @@
               <a:buNone/>
             </a:pPr>
             <a:r>
-              <a:rPr lang="en-US"/>
+              <a:rPr lang="en-US" dirty="0"/>
               <a:t>3. spring security</a:t>
             </a:r>
             <a:r>
-              <a:rPr lang="ko-KR" altLang="en-US"/>
+              <a:rPr lang="ko-KR" altLang="en-US" dirty="0"/>
               <a:t>설정파일을 등록하기</a:t>
             </a:r>
             <a:r>
-              <a:rPr lang="en-US" altLang="ko-KR"/>
+              <a:rPr lang="en-US" altLang="ko-KR" dirty="0"/>
               <a:t>(web.xml </a:t>
             </a:r>
             <a:r>
-              <a:rPr lang="ko-KR" altLang="en-US"/>
+              <a:rPr lang="ko-KR" altLang="en-US" dirty="0"/>
               <a:t>에</a:t>
             </a:r>
             <a:r>
-              <a:rPr lang="en-US" altLang="ko-KR"/>
+              <a:rPr lang="en-US" altLang="ko-KR" dirty="0"/>
               <a:t>)</a:t>
             </a:r>
             <a:br>
-              <a:rPr lang="en-US" altLang="ko-KR"/>
+              <a:rPr lang="en-US" altLang="ko-KR" dirty="0"/>
             </a:br>
             <a:r>
-              <a:rPr lang="en-US"/>
+              <a:rPr lang="en-US" dirty="0"/>
               <a:t>&lt;context-param&gt;</a:t>
             </a:r>
           </a:p>
@@ -40851,21 +41339,25 @@
               <a:buNone/>
             </a:pPr>
             <a:r>
-              <a:rPr lang="en-US"/>
+              <a:rPr lang="en-US" dirty="0"/>
               <a:t>     &lt;param-name&gt;</a:t>
             </a:r>
             <a:br>
-              <a:rPr lang="en-US"/>
+              <a:rPr lang="en-US" dirty="0"/>
             </a:br>
             <a:r>
-              <a:rPr lang="en-US"/>
-              <a:t>     contextConfigLocation</a:t>
+              <a:rPr lang="en-US" dirty="0"/>
+              <a:t>     </a:t>
+            </a:r>
+            <a:r>
+              <a:rPr lang="en-US" dirty="0" err="1"/>
+              <a:t>contextConfigLocation</a:t>
             </a:r>
             <a:br>
-              <a:rPr lang="en-US"/>
+              <a:rPr lang="en-US" dirty="0"/>
             </a:br>
             <a:r>
-              <a:rPr lang="en-US"/>
+              <a:rPr lang="en-US" dirty="0"/>
               <a:t>  &lt;/param-name&gt;</a:t>
             </a:r>
           </a:p>
@@ -40874,7 +41366,7 @@
               <a:buNone/>
             </a:pPr>
             <a:r>
-              <a:rPr lang="en-US"/>
+              <a:rPr lang="en-US" dirty="0"/>
               <a:t>    &lt;param-value&gt;</a:t>
             </a:r>
           </a:p>
@@ -40883,7 +41375,7 @@
               <a:buNone/>
             </a:pPr>
             <a:r>
-              <a:rPr lang="en-US"/>
+              <a:rPr lang="en-US" dirty="0"/>
               <a:t>      /WEB-INF/spring/root-context.xml</a:t>
             </a:r>
           </a:p>
@@ -40892,21 +41384,21 @@
               <a:buNone/>
             </a:pPr>
             <a:r>
-              <a:rPr lang="en-US"/>
+              <a:rPr lang="en-US" dirty="0"/>
               <a:t>     /WEB-INF/spring/security-context.xml   //</a:t>
             </a:r>
             <a:r>
-              <a:rPr lang="ko-KR" altLang="en-US"/>
+              <a:rPr lang="ko-KR" altLang="en-US" dirty="0"/>
               <a:t>추가 부분</a:t>
             </a:r>
-            <a:endParaRPr lang="en-US"/>
+            <a:endParaRPr lang="en-US" dirty="0"/>
           </a:p>
           <a:p>
             <a:pPr>
               <a:buNone/>
             </a:pPr>
             <a:r>
-              <a:rPr lang="en-US"/>
+              <a:rPr lang="en-US" dirty="0"/>
               <a:t>    &lt;/param-value&gt;</a:t>
             </a:r>
           </a:p>
@@ -40915,7 +41407,7 @@
               <a:buNone/>
             </a:pPr>
             <a:r>
-              <a:rPr lang="en-US"/>
+              <a:rPr lang="en-US" dirty="0"/>
               <a:t>&lt;/context-param&gt;</a:t>
             </a:r>
           </a:p>
@@ -40924,7 +41416,7 @@
               <a:buNone/>
             </a:pPr>
             <a:r>
-              <a:rPr lang="en-US"/>
+              <a:rPr lang="en-US" dirty="0"/>
               <a:t>&lt;listener&gt;</a:t>
             </a:r>
           </a:p>
@@ -40933,7 +41425,7 @@
               <a:buNone/>
             </a:pPr>
             <a:r>
-              <a:rPr lang="en-US"/>
+              <a:rPr lang="en-US" dirty="0"/>
               <a:t>    &lt;listener-class&gt;</a:t>
             </a:r>
           </a:p>
@@ -40942,16 +41434,17 @@
               <a:buNone/>
             </a:pPr>
             <a:r>
-              <a:rPr lang="en-US"/>
+              <a:rPr lang="en-US" dirty="0" err="1"/>
               <a:t>org.springframework.web.context.ContextLoaderListener</a:t>
             </a:r>
+            <a:endParaRPr lang="en-US" dirty="0"/>
           </a:p>
           <a:p>
             <a:pPr>
               <a:buNone/>
             </a:pPr>
             <a:r>
-              <a:rPr lang="en-US"/>
+              <a:rPr lang="en-US" dirty="0"/>
               <a:t>   &lt;/listener-class&gt;</a:t>
             </a:r>
           </a:p>
@@ -40960,74 +41453,74 @@
               <a:buNone/>
             </a:pPr>
             <a:r>
-              <a:rPr lang="en-US"/>
+              <a:rPr lang="en-US" dirty="0"/>
               <a:t>&lt;/listener&gt;</a:t>
             </a:r>
             <a:br>
-              <a:rPr lang="en-US"/>
+              <a:rPr lang="en-US" dirty="0"/>
             </a:br>
             <a:br>
-              <a:rPr lang="en-US"/>
+              <a:rPr lang="en-US" dirty="0"/>
             </a:br>
             <a:r>
-              <a:rPr lang="en-US"/>
+              <a:rPr lang="en-US" dirty="0"/>
               <a:t>**</a:t>
             </a:r>
             <a:r>
-              <a:rPr lang="en-US" altLang="ko-KR"/>
+              <a:rPr lang="en-US" altLang="ko-KR" dirty="0" err="1"/>
               <a:t>contextConfigLocation</a:t>
             </a:r>
             <a:r>
-              <a:rPr lang="ko-KR" altLang="en-US"/>
+              <a:rPr lang="ko-KR" altLang="en-US" dirty="0"/>
               <a:t>에 </a:t>
             </a:r>
             <a:r>
-              <a:rPr lang="en-US" altLang="ko-KR"/>
+              <a:rPr lang="en-US" altLang="ko-KR" dirty="0"/>
               <a:t>security-context.xml</a:t>
             </a:r>
             <a:r>
-              <a:rPr lang="ko-KR" altLang="en-US"/>
+              <a:rPr lang="ko-KR" altLang="en-US" dirty="0"/>
               <a:t>을 추가한다</a:t>
             </a:r>
             <a:r>
-              <a:rPr lang="en-US" altLang="ko-KR"/>
+              <a:rPr lang="en-US" altLang="ko-KR" dirty="0"/>
               <a:t>.</a:t>
             </a:r>
             <a:r>
-              <a:rPr lang="ko-KR" altLang="en-US"/>
+              <a:rPr lang="ko-KR" altLang="en-US" dirty="0"/>
               <a:t>그래야 나중에 </a:t>
             </a:r>
             <a:r>
-              <a:rPr lang="en-US" altLang="ko-KR"/>
+              <a:rPr lang="en-US" altLang="ko-KR" dirty="0" err="1"/>
               <a:t>ContextLoaderListener</a:t>
             </a:r>
             <a:r>
-              <a:rPr lang="ko-KR" altLang="en-US"/>
+              <a:rPr lang="ko-KR" altLang="en-US" dirty="0"/>
               <a:t>에 의해 등록된 설정 파일을 읽을 수 있다</a:t>
             </a:r>
             <a:r>
-              <a:rPr lang="en-US" altLang="ko-KR"/>
+              <a:rPr lang="en-US" altLang="ko-KR" dirty="0"/>
               <a:t>.</a:t>
             </a:r>
-            <a:endParaRPr lang="en-US"/>
+            <a:endParaRPr lang="en-US" dirty="0"/>
           </a:p>
           <a:p>
             <a:pPr>
               <a:buNone/>
             </a:pPr>
-            <a:endParaRPr lang="en-US"/>
+            <a:endParaRPr lang="en-US" dirty="0"/>
           </a:p>
           <a:p>
             <a:pPr>
               <a:buNone/>
             </a:pPr>
-            <a:endParaRPr lang="en-US"/>
+            <a:endParaRPr lang="en-US" dirty="0"/>
           </a:p>
           <a:p>
             <a:pPr>
               <a:buNone/>
             </a:pPr>
-            <a:endParaRPr lang="en-US"/>
+            <a:endParaRPr lang="en-US" dirty="0"/>
           </a:p>
         </p:txBody>
       </p:sp>
@@ -42235,425 +42728,512 @@
         </p:nvSpPr>
         <p:spPr>
           <a:xfrm>
-            <a:off x="395536" y="404664"/>
-            <a:ext cx="8229600" cy="5472608"/>
+            <a:off x="457200" y="116632"/>
+            <a:ext cx="8229600" cy="6696744"/>
           </a:xfrm>
         </p:spPr>
         <p:txBody>
           <a:bodyPr>
-            <a:normAutofit fontScale="70000" lnSpcReduction="20000"/>
+            <a:normAutofit fontScale="25000" lnSpcReduction="20000"/>
           </a:bodyPr>
           <a:lstStyle/>
           <a:p>
             <a:pPr>
+              <a:lnSpc>
+                <a:spcPct val="170000"/>
+              </a:lnSpc>
               <a:buNone/>
             </a:pPr>
             <a:r>
-              <a:rPr lang="en-US" altLang="ko-KR"/>
+              <a:rPr lang="en-US" altLang="ko-KR" sz="4400" dirty="0"/>
               <a:t>3. Authorization(</a:t>
             </a:r>
             <a:r>
-              <a:rPr lang="ko-KR" altLang="en-US" b="1"/>
+              <a:rPr lang="ko-KR" altLang="en-US" sz="4400" b="1" dirty="0"/>
               <a:t>권한</a:t>
             </a:r>
             <a:r>
-              <a:rPr lang="en-US" altLang="ko-KR" b="1"/>
+              <a:rPr lang="en-US" altLang="ko-KR" sz="4400" b="1" dirty="0"/>
               <a:t>)</a:t>
             </a:r>
             <a:br>
-              <a:rPr lang="en-US" altLang="ko-KR" b="1"/>
+              <a:rPr lang="en-US" altLang="ko-KR" sz="4400" b="1" dirty="0"/>
             </a:br>
             <a:r>
-              <a:rPr lang="en-US" altLang="ko-KR"/>
+              <a:rPr lang="en-US" altLang="ko-KR" sz="4400" dirty="0"/>
               <a:t>&lt;!-- Authorization(</a:t>
             </a:r>
             <a:r>
-              <a:rPr lang="ko-KR" altLang="en-US"/>
+              <a:rPr lang="ko-KR" altLang="en-US" sz="4400" dirty="0"/>
               <a:t>권한</a:t>
             </a:r>
             <a:r>
-              <a:rPr lang="en-US" altLang="ko-KR"/>
+              <a:rPr lang="en-US" altLang="ko-KR" sz="4400" dirty="0"/>
               <a:t>) </a:t>
             </a:r>
             <a:r>
-              <a:rPr lang="ko-KR" altLang="en-US"/>
+              <a:rPr lang="ko-KR" altLang="en-US" sz="4400" dirty="0"/>
               <a:t>설정 </a:t>
             </a:r>
             <a:r>
-              <a:rPr lang="en-US" altLang="ko-KR"/>
+              <a:rPr lang="en-US" altLang="ko-KR" sz="4400" dirty="0"/>
               <a:t>--&gt;</a:t>
             </a:r>
             <a:br>
-              <a:rPr lang="en-US" altLang="ko-KR"/>
+              <a:rPr lang="en-US" altLang="ko-KR" sz="4400" dirty="0"/>
             </a:br>
             <a:r>
-              <a:rPr lang="en-US" altLang="ko-KR" sz="1800"/>
+              <a:rPr lang="en-US" altLang="ko-KR" sz="4400" dirty="0"/>
               <a:t>&lt;http auto-config=“true” use-expressions = "true“&gt;</a:t>
             </a:r>
             <a:br>
-              <a:rPr lang="en-US" altLang="ko-KR" sz="2000"/>
+              <a:rPr lang="en-US" altLang="ko-KR" sz="4400" dirty="0"/>
             </a:br>
             <a:r>
-              <a:rPr lang="en-US" altLang="ko-KR" sz="2000"/>
+              <a:rPr lang="en-US" altLang="ko-KR" sz="4400" dirty="0"/>
               <a:t>&lt;/http&gt;</a:t>
             </a:r>
             <a:br>
-              <a:rPr lang="en-US" altLang="ko-KR" sz="2000"/>
+              <a:rPr lang="en-US" altLang="ko-KR" sz="4400" dirty="0"/>
             </a:br>
             <a:r>
-              <a:rPr lang="en-US" altLang="ko-KR" sz="2000"/>
+              <a:rPr lang="en-US" altLang="ko-KR" sz="4400" dirty="0"/>
               <a:t>**auto-config=“true”</a:t>
             </a:r>
             <a:r>
-              <a:rPr lang="ko-KR" altLang="en-US" sz="2000"/>
+              <a:rPr lang="ko-KR" altLang="en-US" sz="4400" dirty="0"/>
               <a:t>는 </a:t>
             </a:r>
             <a:r>
-              <a:rPr lang="en-US" altLang="ko-KR" sz="2000"/>
+              <a:rPr lang="en-US" altLang="ko-KR" sz="4400" dirty="0"/>
               <a:t>form </a:t>
             </a:r>
             <a:r>
-              <a:rPr lang="ko-KR" altLang="en-US" sz="2000"/>
+              <a:rPr lang="ko-KR" altLang="en-US" sz="4400" dirty="0"/>
               <a:t>기반 로그인</a:t>
             </a:r>
             <a:r>
-              <a:rPr lang="en-US" altLang="ko-KR" sz="2000"/>
+              <a:rPr lang="en-US" altLang="ko-KR" sz="4400" dirty="0"/>
               <a:t>, </a:t>
             </a:r>
             <a:r>
-              <a:rPr lang="ko-KR" altLang="en-US" sz="2000"/>
+              <a:rPr lang="ko-KR" altLang="en-US" sz="4400" dirty="0"/>
               <a:t>기본 인증 및 로그 아웃 메커니즘을 자동으로 활성화한다</a:t>
             </a:r>
             <a:r>
-              <a:rPr lang="en-US" altLang="ko-KR" sz="2000"/>
+              <a:rPr lang="en-US" altLang="ko-KR" sz="4400" dirty="0"/>
               <a:t>.</a:t>
             </a:r>
             <a:br>
-              <a:rPr lang="en-US" altLang="ko-KR" sz="2000"/>
+              <a:rPr lang="en-US" altLang="ko-KR" sz="4400" dirty="0"/>
             </a:br>
             <a:r>
-              <a:rPr lang="en-US" altLang="ko-KR" sz="2000"/>
+              <a:rPr lang="en-US" altLang="ko-KR" sz="4400" dirty="0"/>
               <a:t>** use-expressions="true“</a:t>
             </a:r>
             <a:r>
-              <a:rPr lang="ko-KR" altLang="en-US" sz="2000"/>
+              <a:rPr lang="ko-KR" altLang="en-US" sz="4400" dirty="0"/>
               <a:t>는 </a:t>
             </a:r>
             <a:r>
-              <a:rPr lang="en-US" altLang="ko-KR" sz="2000"/>
+              <a:rPr lang="en-US" altLang="ko-KR" sz="4400" dirty="0"/>
               <a:t>Spring EL Expressions </a:t>
             </a:r>
             <a:r>
-              <a:rPr lang="ko-KR" altLang="en-US" sz="2000"/>
+              <a:rPr lang="ko-KR" altLang="en-US" sz="4400" dirty="0"/>
               <a:t>사용을 활성화한다</a:t>
             </a:r>
             <a:r>
-              <a:rPr lang="en-US" altLang="ko-KR" sz="2000"/>
+              <a:rPr lang="en-US" altLang="ko-KR" sz="4400" dirty="0"/>
               <a:t>.</a:t>
             </a:r>
             <a:br>
-              <a:rPr lang="en-US" altLang="ko-KR" sz="2000"/>
+              <a:rPr lang="en-US" altLang="ko-KR" sz="4400" dirty="0"/>
             </a:br>
             <a:r>
-              <a:rPr lang="en-US" altLang="ko-KR" sz="2000"/>
+              <a:rPr lang="en-US" altLang="ko-KR" sz="4400" dirty="0"/>
               <a:t> access-denied-page</a:t>
             </a:r>
             <a:r>
-              <a:rPr lang="ko-KR" altLang="en-US" sz="2000"/>
-              <a:t>속성은 권한 없는 페이지 접근시 이동할 페이지 경로</a:t>
-            </a:r>
-            <a:r>
-              <a:rPr lang="en-US" altLang="ko-KR" sz="2000"/>
+              <a:rPr lang="ko-KR" altLang="en-US" sz="4400" dirty="0"/>
+              <a:t>속성은 권한 없는 페이지 </a:t>
+            </a:r>
+            <a:r>
+              <a:rPr lang="ko-KR" altLang="en-US" sz="4400" dirty="0" err="1"/>
+              <a:t>접근시</a:t>
+            </a:r>
+            <a:r>
+              <a:rPr lang="ko-KR" altLang="en-US" sz="4400" dirty="0"/>
+              <a:t> 이동할 페이지 경로</a:t>
+            </a:r>
+            <a:r>
+              <a:rPr lang="en-US" altLang="ko-KR" sz="4400" dirty="0"/>
               <a:t>(</a:t>
             </a:r>
             <a:r>
-              <a:rPr lang="ko-KR" altLang="en-US" sz="2000"/>
+              <a:rPr lang="ko-KR" altLang="en-US" sz="4400" dirty="0"/>
               <a:t>로그인 이후</a:t>
             </a:r>
             <a:r>
-              <a:rPr lang="en-US" altLang="ko-KR" sz="2000"/>
+              <a:rPr lang="en-US" altLang="ko-KR" sz="4400" dirty="0"/>
               <a:t>)</a:t>
             </a:r>
           </a:p>
           <a:p>
             <a:pPr>
+              <a:lnSpc>
+                <a:spcPct val="170000"/>
+              </a:lnSpc>
               <a:buNone/>
             </a:pPr>
             <a:r>
-              <a:rPr lang="en-US" altLang="ko-KR" sz="2000"/>
+              <a:rPr lang="en-US" altLang="ko-KR" sz="4400" dirty="0"/>
               <a:t>   </a:t>
             </a:r>
             <a:r>
-              <a:rPr lang="ko-KR" altLang="en-US" sz="2000"/>
-              <a:t>다음의 엘리먼트는 </a:t>
-            </a:r>
-            <a:r>
-              <a:rPr lang="en-US" altLang="ko-KR" sz="2000"/>
+              <a:rPr lang="ko-KR" altLang="en-US" sz="4400" dirty="0"/>
+              <a:t>다음의 </a:t>
+            </a:r>
+            <a:r>
+              <a:rPr lang="ko-KR" altLang="en-US" sz="4400" dirty="0" err="1"/>
+              <a:t>엘리먼트는</a:t>
+            </a:r>
+            <a:r>
+              <a:rPr lang="ko-KR" altLang="en-US" sz="4400" dirty="0"/>
+              <a:t> </a:t>
+            </a:r>
+            <a:r>
+              <a:rPr lang="en-US" altLang="ko-KR" sz="4400" dirty="0"/>
               <a:t>&lt;http&gt;&lt;/http&gt;</a:t>
             </a:r>
             <a:r>
-              <a:rPr lang="ko-KR" altLang="en-US" sz="2000"/>
-              <a:t>안에 들어감</a:t>
-            </a:r>
-            <a:endParaRPr lang="en-US" altLang="ko-KR" sz="2000"/>
+              <a:rPr lang="ko-KR" altLang="en-US" sz="4400" dirty="0"/>
+              <a:t>안에 </a:t>
+            </a:r>
+            <a:r>
+              <a:rPr lang="ko-KR" altLang="en-US" sz="4400" dirty="0" err="1"/>
+              <a:t>들어감</a:t>
+            </a:r>
+            <a:endParaRPr lang="en-US" altLang="ko-KR" sz="4400" dirty="0"/>
           </a:p>
           <a:p>
             <a:pPr>
+              <a:lnSpc>
+                <a:spcPct val="170000"/>
+              </a:lnSpc>
               <a:buNone/>
             </a:pPr>
             <a:r>
-              <a:rPr lang="en-US" altLang="ko-KR" sz="2000"/>
+              <a:rPr lang="en-US" altLang="ko-KR" sz="4400" dirty="0"/>
+              <a:t> &lt;access-denied-handler error-page=</a:t>
+            </a:r>
+            <a:r>
+              <a:rPr lang="en-US" altLang="ko-KR" sz="4400" i="1" dirty="0"/>
+              <a:t>"/" /&gt;</a:t>
+            </a:r>
+            <a:r>
+              <a:rPr lang="ko-KR" altLang="en-US" sz="4400" i="1" dirty="0"/>
               <a:t> </a:t>
             </a:r>
             <a:r>
-              <a:rPr lang="en-US" altLang="ko-KR" sz="1700"/>
-              <a:t>&lt;access-denied-handler error-page=</a:t>
-            </a:r>
-            <a:r>
-              <a:rPr lang="en-US" altLang="ko-KR" sz="1700" i="1"/>
-              <a:t>"/" /&gt;</a:t>
-            </a:r>
-            <a:r>
-              <a:rPr lang="ko-KR" altLang="en-US" sz="1700" i="1"/>
-              <a:t> </a:t>
-            </a:r>
-            <a:r>
-              <a:rPr lang="en-US" altLang="ko-KR" sz="1700" i="1"/>
+              <a:rPr lang="en-US" altLang="ko-KR" sz="4400" i="1" dirty="0"/>
               <a:t>&lt;!-- </a:t>
             </a:r>
             <a:r>
-              <a:rPr lang="ko-KR" altLang="en-US" sz="1700" i="1"/>
-              <a:t>권한업는 페이지 접근시 이동 페이지 경로 </a:t>
-            </a:r>
-            <a:r>
-              <a:rPr lang="en-US" altLang="ko-KR" sz="1700" i="1"/>
+              <a:rPr lang="ko-KR" altLang="en-US" sz="4400" i="1" dirty="0" err="1"/>
+              <a:t>권한업는</a:t>
+            </a:r>
+            <a:r>
+              <a:rPr lang="ko-KR" altLang="en-US" sz="4400" i="1" dirty="0"/>
+              <a:t> 페이지 </a:t>
+            </a:r>
+            <a:r>
+              <a:rPr lang="ko-KR" altLang="en-US" sz="4400" i="1" dirty="0" err="1"/>
+              <a:t>접근시</a:t>
+            </a:r>
+            <a:r>
+              <a:rPr lang="ko-KR" altLang="en-US" sz="4400" i="1" dirty="0"/>
+              <a:t> 이동 페이지 경로 </a:t>
+            </a:r>
+            <a:r>
+              <a:rPr lang="en-US" altLang="ko-KR" sz="4400" i="1" dirty="0"/>
               <a:t>--&gt;</a:t>
             </a:r>
-            <a:endParaRPr lang="en-US" altLang="ko-KR" sz="1700"/>
+            <a:endParaRPr lang="en-US" altLang="ko-KR" sz="4400" dirty="0"/>
           </a:p>
           <a:p>
             <a:pPr>
+              <a:lnSpc>
+                <a:spcPct val="170000"/>
+              </a:lnSpc>
               <a:buNone/>
             </a:pPr>
             <a:r>
-              <a:rPr lang="en-US" altLang="ko-KR" sz="2000"/>
+              <a:rPr lang="en-US" altLang="ko-KR" sz="4400" dirty="0"/>
               <a:t>  &lt;headers&gt;</a:t>
             </a:r>
           </a:p>
           <a:p>
             <a:pPr>
+              <a:lnSpc>
+                <a:spcPct val="170000"/>
+              </a:lnSpc>
               <a:buNone/>
             </a:pPr>
             <a:r>
-              <a:rPr lang="en-US" altLang="ko-KR" sz="2000"/>
+              <a:rPr lang="en-US" altLang="ko-KR" sz="4400" dirty="0"/>
               <a:t>	    &lt;frame-options disabled="true"&gt;&lt;/frame-options&gt;</a:t>
             </a:r>
             <a:br>
-              <a:rPr lang="en-US" altLang="ko-KR" sz="2000"/>
+              <a:rPr lang="en-US" altLang="ko-KR" sz="4400" dirty="0"/>
             </a:br>
             <a:r>
-              <a:rPr lang="en-US" altLang="ko-KR" sz="2000"/>
+              <a:rPr lang="en-US" altLang="ko-KR" sz="4400" dirty="0"/>
               <a:t>&lt;/headers&gt;</a:t>
             </a:r>
             <a:br>
-              <a:rPr lang="en-US" altLang="ko-KR" sz="2000"/>
+              <a:rPr lang="en-US" altLang="ko-KR" sz="4400" dirty="0"/>
             </a:br>
             <a:r>
-              <a:rPr lang="en-US" altLang="ko-KR" sz="2000"/>
-              <a:t>  iframe</a:t>
-            </a:r>
-            <a:r>
-              <a:rPr lang="ko-KR" altLang="en-US" sz="2000"/>
+              <a:rPr lang="en-US" altLang="ko-KR" sz="4400" dirty="0"/>
+              <a:t>  </a:t>
+            </a:r>
+            <a:r>
+              <a:rPr lang="en-US" altLang="ko-KR" sz="4400" dirty="0" err="1"/>
+              <a:t>iframe</a:t>
+            </a:r>
+            <a:r>
+              <a:rPr lang="ko-KR" altLang="en-US" sz="4400" dirty="0"/>
               <a:t>사용시 </a:t>
             </a:r>
             <a:r>
-              <a:rPr lang="en-US" altLang="ko-KR" sz="2000"/>
+              <a:rPr lang="en-US" altLang="ko-KR" sz="4400" dirty="0"/>
               <a:t> </a:t>
             </a:r>
             <a:r>
-              <a:rPr lang="ko-KR" altLang="en-US" sz="2000"/>
+              <a:rPr lang="ko-KR" altLang="en-US" sz="4400" dirty="0"/>
               <a:t>디폴트인 </a:t>
             </a:r>
             <a:r>
-              <a:rPr lang="en-US" altLang="ko-KR" sz="2000"/>
+              <a:rPr lang="en-US" altLang="ko-KR" sz="4400" dirty="0"/>
               <a:t>X-Frame-Options : deny</a:t>
             </a:r>
             <a:r>
-              <a:rPr lang="ko-KR" altLang="en-US" sz="2000"/>
+              <a:rPr lang="ko-KR" altLang="en-US" sz="4400" dirty="0"/>
               <a:t>를</a:t>
             </a:r>
             <a:br>
-              <a:rPr lang="en-US" altLang="ko-KR" sz="2000"/>
+              <a:rPr lang="en-US" altLang="ko-KR" sz="4400" dirty="0"/>
             </a:br>
             <a:r>
-              <a:rPr lang="en-US" altLang="ko-KR" sz="2000"/>
+              <a:rPr lang="en-US" altLang="ko-KR" sz="4400" dirty="0"/>
               <a:t>  </a:t>
             </a:r>
             <a:r>
-              <a:rPr lang="ko-KR" altLang="en-US" sz="2000"/>
+              <a:rPr lang="ko-KR" altLang="en-US" sz="4400" dirty="0"/>
               <a:t>해소하여 </a:t>
             </a:r>
             <a:r>
-              <a:rPr lang="en-US" altLang="ko-KR" sz="2000"/>
+              <a:rPr lang="en-US" altLang="ko-KR" sz="4400" dirty="0" err="1"/>
               <a:t>iframe</a:t>
             </a:r>
             <a:r>
-              <a:rPr lang="ko-KR" altLang="en-US" sz="2000"/>
+              <a:rPr lang="ko-KR" altLang="en-US" sz="4400" dirty="0"/>
               <a:t>을 사용 가능케 함</a:t>
             </a:r>
             <a:br>
-              <a:rPr lang="en-US" altLang="ko-KR" sz="2000"/>
+              <a:rPr lang="en-US" altLang="ko-KR" sz="4400" dirty="0"/>
             </a:br>
             <a:br>
-              <a:rPr lang="en-US" altLang="ko-KR" sz="2000"/>
+              <a:rPr lang="en-US" altLang="ko-KR" sz="4400" dirty="0"/>
             </a:br>
             <a:r>
-              <a:rPr lang="en-US" altLang="ko-KR" sz="2000"/>
-              <a:t>&lt;intercept-url pattern="/**" access="hasRole('ROLE_USER')“</a:t>
+              <a:rPr lang="en-US" altLang="ko-KR" sz="4400" dirty="0"/>
+              <a:t>&lt;intercept-</a:t>
+            </a:r>
+            <a:r>
+              <a:rPr lang="en-US" altLang="ko-KR" sz="4400" dirty="0" err="1"/>
+              <a:t>url</a:t>
+            </a:r>
+            <a:r>
+              <a:rPr lang="en-US" altLang="ko-KR" sz="4400" dirty="0"/>
+              <a:t> pattern="/**" access="</a:t>
+            </a:r>
+            <a:r>
+              <a:rPr lang="en-US" altLang="ko-KR" sz="4400" dirty="0" err="1"/>
+              <a:t>hasRole</a:t>
+            </a:r>
+            <a:r>
+              <a:rPr lang="en-US" altLang="ko-KR" sz="4400" dirty="0"/>
+              <a:t>('ROLE_USER')“</a:t>
             </a:r>
             <a:br>
-              <a:rPr lang="en-US" altLang="ko-KR" sz="2000"/>
+              <a:rPr lang="en-US" altLang="ko-KR" sz="4400" dirty="0"/>
             </a:br>
             <a:r>
-              <a:rPr lang="en-US" altLang="ko-KR" sz="2000"/>
+              <a:rPr lang="en-US" altLang="ko-KR" sz="4400" dirty="0"/>
               <a:t>       requires-channel="https" /&gt;</a:t>
             </a:r>
             <a:r>
-              <a:rPr lang="ko-KR" altLang="en-US" sz="2000"/>
+              <a:rPr lang="ko-KR" altLang="en-US" sz="4400" dirty="0"/>
               <a:t>는</a:t>
             </a:r>
             <a:br>
-              <a:rPr lang="en-US" altLang="ko-KR" sz="2000"/>
+              <a:rPr lang="en-US" altLang="ko-KR" sz="4400" dirty="0"/>
             </a:br>
             <a:r>
-              <a:rPr lang="en-US" altLang="ko-KR" sz="2000"/>
+              <a:rPr lang="en-US" altLang="ko-KR" sz="4400" dirty="0" err="1"/>
               <a:t>url</a:t>
             </a:r>
             <a:r>
-              <a:rPr lang="ko-KR" altLang="en-US" sz="2000"/>
+              <a:rPr lang="ko-KR" altLang="en-US" sz="4400" dirty="0"/>
               <a:t>별 접근 권한을 지정하며 </a:t>
             </a:r>
             <a:r>
-              <a:rPr lang="en-US" altLang="ko-KR" sz="2000"/>
+              <a:rPr lang="en-US" altLang="ko-KR" sz="4400" dirty="0"/>
               <a:t>pattern</a:t>
             </a:r>
             <a:r>
-              <a:rPr lang="ko-KR" altLang="en-US" sz="2000"/>
+              <a:rPr lang="ko-KR" altLang="en-US" sz="4400" dirty="0"/>
               <a:t>은 요청경로</a:t>
             </a:r>
             <a:r>
-              <a:rPr lang="en-US" altLang="ko-KR" sz="2000"/>
-              <a:t>, acces</a:t>
-            </a:r>
-            <a:r>
-              <a:rPr lang="ko-KR" altLang="en-US" sz="2000"/>
+              <a:rPr lang="en-US" altLang="ko-KR" sz="4400" dirty="0"/>
+              <a:t>, </a:t>
+            </a:r>
+            <a:r>
+              <a:rPr lang="en-US" altLang="ko-KR" sz="4400" dirty="0" err="1"/>
+              <a:t>acces</a:t>
+            </a:r>
+            <a:r>
+              <a:rPr lang="ko-KR" altLang="en-US" sz="4400" dirty="0"/>
               <a:t>는 접근 권한수준을 나타내며 </a:t>
             </a:r>
             <a:r>
-              <a:rPr lang="en-US" altLang="ko-KR" sz="2000"/>
+              <a:rPr lang="en-US" altLang="ko-KR" sz="4400" dirty="0"/>
               <a:t>access</a:t>
             </a:r>
             <a:r>
-              <a:rPr lang="ko-KR" altLang="en-US" sz="2000"/>
+              <a:rPr lang="ko-KR" altLang="en-US" sz="4400" dirty="0"/>
               <a:t>의 값으로 </a:t>
             </a:r>
             <a:r>
-              <a:rPr lang="en-US" altLang="ko-KR" sz="2000"/>
+              <a:rPr lang="en-US" altLang="ko-KR" sz="4400" dirty="0"/>
               <a:t>SEL</a:t>
             </a:r>
             <a:r>
-              <a:rPr lang="ko-KR" altLang="en-US" sz="2000"/>
+              <a:rPr lang="ko-KR" altLang="en-US" sz="4400" dirty="0"/>
               <a:t>를</a:t>
             </a:r>
             <a:r>
-              <a:rPr lang="en-US" altLang="ko-KR" sz="2000"/>
+              <a:rPr lang="en-US" altLang="ko-KR" sz="4400" dirty="0"/>
               <a:t> </a:t>
             </a:r>
             <a:r>
-              <a:rPr lang="ko-KR" altLang="en-US" sz="2000"/>
+              <a:rPr lang="ko-KR" altLang="en-US" sz="4400" dirty="0"/>
               <a:t>사용하며 모든 경로에</a:t>
             </a:r>
             <a:br>
-              <a:rPr lang="en-US" altLang="ko-KR" sz="2000"/>
+              <a:rPr lang="en-US" altLang="ko-KR" sz="4400" dirty="0"/>
             </a:br>
             <a:r>
-              <a:rPr lang="ko-KR" altLang="en-US" sz="2000"/>
+              <a:rPr lang="ko-KR" altLang="en-US" sz="4400" dirty="0"/>
               <a:t>우선 사용자급 </a:t>
             </a:r>
             <a:r>
-              <a:rPr lang="en-US" altLang="ko-KR" sz="2000"/>
+              <a:rPr lang="en-US" altLang="ko-KR" sz="4400" dirty="0"/>
               <a:t>ROLE_USER</a:t>
             </a:r>
             <a:r>
-              <a:rPr lang="ko-KR" altLang="en-US" sz="2000"/>
-              <a:t>만 접근하도록 설정 우선순위는 위에 부터 순서대로 이므로 위에다 약한 권한을 적어줌</a:t>
+              <a:rPr lang="ko-KR" altLang="en-US" sz="4400" dirty="0"/>
+              <a:t>만 접근하도록 설정 우선순위는 위에 부터 순서대로 이므로 위에다 약한 권한을 </a:t>
+            </a:r>
+            <a:r>
+              <a:rPr lang="ko-KR" altLang="en-US" sz="4400" dirty="0" err="1"/>
+              <a:t>적어줌</a:t>
             </a:r>
             <a:br>
-              <a:rPr lang="en-US" altLang="ko-KR" sz="2000"/>
+              <a:rPr lang="en-US" altLang="ko-KR" sz="4400" dirty="0"/>
             </a:br>
             <a:r>
-              <a:rPr lang="en-US" altLang="ko-KR" sz="2000"/>
+              <a:rPr lang="en-US" altLang="ko-KR" sz="4400" dirty="0"/>
               <a:t> requires-channel</a:t>
             </a:r>
             <a:r>
-              <a:rPr lang="ko-KR" altLang="en-US" sz="2000"/>
+              <a:rPr lang="ko-KR" altLang="en-US" sz="4400" dirty="0"/>
               <a:t>은 </a:t>
             </a:r>
             <a:r>
-              <a:rPr lang="en-US" altLang="ko-KR" sz="2000"/>
+              <a:rPr lang="en-US" altLang="ko-KR" sz="4400" dirty="0"/>
               <a:t>SSL</a:t>
             </a:r>
             <a:r>
-              <a:rPr lang="ko-KR" altLang="en-US" sz="2000"/>
+              <a:rPr lang="ko-KR" altLang="en-US" sz="4400" dirty="0"/>
               <a:t>사용 부여 </a:t>
             </a:r>
             <a:br>
-              <a:rPr lang="en-US" altLang="ko-KR" sz="2000"/>
+              <a:rPr lang="en-US" altLang="ko-KR" sz="4400" dirty="0"/>
             </a:br>
             <a:r>
-              <a:rPr lang="en-US" altLang="ko-KR" sz="2000"/>
-              <a:t>&lt;intercept-url pattern="/login" access="permitAll" /&gt;</a:t>
+              <a:rPr lang="en-US" altLang="ko-KR" sz="4400" dirty="0"/>
+              <a:t>&lt;intercept-</a:t>
+            </a:r>
+            <a:r>
+              <a:rPr lang="en-US" altLang="ko-KR" sz="4400" dirty="0" err="1"/>
+              <a:t>url</a:t>
+            </a:r>
+            <a:r>
+              <a:rPr lang="en-US" altLang="ko-KR" sz="4400" dirty="0"/>
+              <a:t> pattern="/login" access="</a:t>
+            </a:r>
+            <a:r>
+              <a:rPr lang="en-US" altLang="ko-KR" sz="4400" dirty="0" err="1"/>
+              <a:t>permitAll</a:t>
+            </a:r>
+            <a:r>
+              <a:rPr lang="en-US" altLang="ko-KR" sz="4400" dirty="0"/>
+              <a:t>" /&gt;</a:t>
             </a:r>
             <a:br>
-              <a:rPr lang="en-US" altLang="ko-KR" sz="2000"/>
+              <a:rPr lang="en-US" altLang="ko-KR" sz="4400" dirty="0"/>
             </a:br>
             <a:r>
-              <a:rPr lang="en-US" altLang="ko-KR" sz="2000"/>
+              <a:rPr lang="en-US" altLang="ko-KR" sz="4400" dirty="0"/>
               <a:t>(</a:t>
             </a:r>
             <a:r>
-              <a:rPr lang="ko-KR" altLang="en-US" sz="2000"/>
+              <a:rPr lang="ko-KR" altLang="en-US" sz="4400" dirty="0"/>
               <a:t>모두 접근 가능</a:t>
             </a:r>
             <a:r>
-              <a:rPr lang="en-US" altLang="ko-KR" sz="2000"/>
+              <a:rPr lang="en-US" altLang="ko-KR" sz="4400" dirty="0"/>
               <a:t>)</a:t>
             </a:r>
             <a:br>
-              <a:rPr lang="en-US" altLang="ko-KR" sz="2000"/>
+              <a:rPr lang="en-US" altLang="ko-KR" sz="4400" dirty="0"/>
             </a:br>
             <a:br>
-              <a:rPr lang="en-US" altLang="ko-KR" sz="2000"/>
+              <a:rPr lang="en-US" altLang="ko-KR" sz="4400" dirty="0"/>
             </a:br>
             <a:r>
-              <a:rPr lang="ko-KR" altLang="en-US" sz="2000"/>
+              <a:rPr lang="ko-KR" altLang="en-US" sz="4400" dirty="0"/>
               <a:t>로그인 전에 권한없이 접근시는 </a:t>
             </a:r>
             <a:r>
-              <a:rPr lang="en-US" altLang="ko-KR" sz="2000"/>
+              <a:rPr lang="en-US" altLang="ko-KR" sz="4400" dirty="0"/>
               <a:t>Login()</a:t>
             </a:r>
             <a:r>
-              <a:rPr lang="ko-KR" altLang="en-US" sz="2000"/>
+              <a:rPr lang="ko-KR" altLang="en-US" sz="4400" dirty="0"/>
               <a:t>메서드를 스프링에서 자동 발생</a:t>
             </a:r>
             <a:br>
-              <a:rPr lang="en-US" altLang="ko-KR" sz="2000"/>
+              <a:rPr lang="en-US" altLang="ko-KR" sz="2000" dirty="0"/>
             </a:br>
             <a:br>
-              <a:rPr lang="en-US" altLang="ko-KR" sz="2000"/>
+              <a:rPr lang="en-US" altLang="ko-KR" sz="2000" dirty="0"/>
             </a:br>
-            <a:endParaRPr lang="ko-KR" altLang="en-US" sz="2000"/>
+            <a:endParaRPr lang="ko-KR" altLang="en-US" sz="2000" dirty="0"/>
           </a:p>
         </p:txBody>
       </p:sp>
@@ -47579,8 +48159,8 @@
             <a:chExt cx="728640" cy="381240"/>
           </a:xfrm>
         </p:grpSpPr>
-        <mc:AlternateContent xmlns:mc="http://schemas.openxmlformats.org/markup-compatibility/2006">
-          <mc:Choice xmlns:p14="http://schemas.microsoft.com/office/powerpoint/2010/main" Requires="p14">
+        <mc:AlternateContent xmlns:mc="http://schemas.openxmlformats.org/markup-compatibility/2006" xmlns:p14="http://schemas.microsoft.com/office/powerpoint/2010/main">
+          <mc:Choice Requires="p14">
             <p:contentPart p14:bwMode="auto" r:id="rId3">
               <p14:nvContentPartPr>
                 <p14:cNvPr id="26" name="잉크 25">
@@ -47599,7 +48179,7 @@
               </p14:xfrm>
             </p:contentPart>
           </mc:Choice>
-          <mc:Fallback>
+          <mc:Fallback xmlns="">
             <p:pic>
               <p:nvPicPr>
                 <p:cNvPr id="26" name="잉크 25">
@@ -47630,8 +48210,8 @@
             </p:pic>
           </mc:Fallback>
         </mc:AlternateContent>
-        <mc:AlternateContent xmlns:mc="http://schemas.openxmlformats.org/markup-compatibility/2006">
-          <mc:Choice xmlns:p14="http://schemas.microsoft.com/office/powerpoint/2010/main" Requires="p14">
+        <mc:AlternateContent xmlns:mc="http://schemas.openxmlformats.org/markup-compatibility/2006" xmlns:p14="http://schemas.microsoft.com/office/powerpoint/2010/main">
+          <mc:Choice Requires="p14">
             <p:contentPart p14:bwMode="auto" r:id="rId5">
               <p14:nvContentPartPr>
                 <p14:cNvPr id="27" name="잉크 26">
@@ -47650,7 +48230,7 @@
               </p14:xfrm>
             </p:contentPart>
           </mc:Choice>
-          <mc:Fallback>
+          <mc:Fallback xmlns="">
             <p:pic>
               <p:nvPicPr>
                 <p:cNvPr id="27" name="잉크 26">
@@ -47681,8 +48261,8 @@
             </p:pic>
           </mc:Fallback>
         </mc:AlternateContent>
-        <mc:AlternateContent xmlns:mc="http://schemas.openxmlformats.org/markup-compatibility/2006">
-          <mc:Choice xmlns:p14="http://schemas.microsoft.com/office/powerpoint/2010/main" Requires="p14">
+        <mc:AlternateContent xmlns:mc="http://schemas.openxmlformats.org/markup-compatibility/2006" xmlns:p14="http://schemas.microsoft.com/office/powerpoint/2010/main">
+          <mc:Choice Requires="p14">
             <p:contentPart p14:bwMode="auto" r:id="rId7">
               <p14:nvContentPartPr>
                 <p14:cNvPr id="28" name="잉크 27">
@@ -47701,7 +48281,7 @@
               </p14:xfrm>
             </p:contentPart>
           </mc:Choice>
-          <mc:Fallback>
+          <mc:Fallback xmlns="">
             <p:pic>
               <p:nvPicPr>
                 <p:cNvPr id="28" name="잉크 27">
@@ -47732,8 +48312,8 @@
             </p:pic>
           </mc:Fallback>
         </mc:AlternateContent>
-        <mc:AlternateContent xmlns:mc="http://schemas.openxmlformats.org/markup-compatibility/2006">
-          <mc:Choice xmlns:p14="http://schemas.microsoft.com/office/powerpoint/2010/main" Requires="p14">
+        <mc:AlternateContent xmlns:mc="http://schemas.openxmlformats.org/markup-compatibility/2006" xmlns:p14="http://schemas.microsoft.com/office/powerpoint/2010/main">
+          <mc:Choice Requires="p14">
             <p:contentPart p14:bwMode="auto" r:id="rId9">
               <p14:nvContentPartPr>
                 <p14:cNvPr id="29" name="잉크 28">
@@ -47752,7 +48332,7 @@
               </p14:xfrm>
             </p:contentPart>
           </mc:Choice>
-          <mc:Fallback>
+          <mc:Fallback xmlns="">
             <p:pic>
               <p:nvPicPr>
                 <p:cNvPr id="29" name="잉크 28">
@@ -47783,8 +48363,8 @@
             </p:pic>
           </mc:Fallback>
         </mc:AlternateContent>
-        <mc:AlternateContent xmlns:mc="http://schemas.openxmlformats.org/markup-compatibility/2006">
-          <mc:Choice xmlns:p14="http://schemas.microsoft.com/office/powerpoint/2010/main" Requires="p14">
+        <mc:AlternateContent xmlns:mc="http://schemas.openxmlformats.org/markup-compatibility/2006" xmlns:p14="http://schemas.microsoft.com/office/powerpoint/2010/main">
+          <mc:Choice Requires="p14">
             <p:contentPart p14:bwMode="auto" r:id="rId11">
               <p14:nvContentPartPr>
                 <p14:cNvPr id="30" name="잉크 29">
@@ -47803,7 +48383,7 @@
               </p14:xfrm>
             </p:contentPart>
           </mc:Choice>
-          <mc:Fallback>
+          <mc:Fallback xmlns="">
             <p:pic>
               <p:nvPicPr>
                 <p:cNvPr id="30" name="잉크 29">
@@ -47834,8 +48414,8 @@
             </p:pic>
           </mc:Fallback>
         </mc:AlternateContent>
-        <mc:AlternateContent xmlns:mc="http://schemas.openxmlformats.org/markup-compatibility/2006">
-          <mc:Choice xmlns:p14="http://schemas.microsoft.com/office/powerpoint/2010/main" Requires="p14">
+        <mc:AlternateContent xmlns:mc="http://schemas.openxmlformats.org/markup-compatibility/2006" xmlns:p14="http://schemas.microsoft.com/office/powerpoint/2010/main">
+          <mc:Choice Requires="p14">
             <p:contentPart p14:bwMode="auto" r:id="rId13">
               <p14:nvContentPartPr>
                 <p14:cNvPr id="31" name="잉크 30">
@@ -47854,7 +48434,7 @@
               </p14:xfrm>
             </p:contentPart>
           </mc:Choice>
-          <mc:Fallback>
+          <mc:Fallback xmlns="">
             <p:pic>
               <p:nvPicPr>
                 <p:cNvPr id="31" name="잉크 30">
@@ -47885,8 +48465,8 @@
             </p:pic>
           </mc:Fallback>
         </mc:AlternateContent>
-        <mc:AlternateContent xmlns:mc="http://schemas.openxmlformats.org/markup-compatibility/2006">
-          <mc:Choice xmlns:p14="http://schemas.microsoft.com/office/powerpoint/2010/main" Requires="p14">
+        <mc:AlternateContent xmlns:mc="http://schemas.openxmlformats.org/markup-compatibility/2006" xmlns:p14="http://schemas.microsoft.com/office/powerpoint/2010/main">
+          <mc:Choice Requires="p14">
             <p:contentPart p14:bwMode="auto" r:id="rId15">
               <p14:nvContentPartPr>
                 <p14:cNvPr id="1024" name="잉크 1023">
@@ -47905,7 +48485,7 @@
               </p14:xfrm>
             </p:contentPart>
           </mc:Choice>
-          <mc:Fallback>
+          <mc:Fallback xmlns="">
             <p:pic>
               <p:nvPicPr>
                 <p:cNvPr id="1024" name="잉크 1023">
@@ -47936,8 +48516,8 @@
             </p:pic>
           </mc:Fallback>
         </mc:AlternateContent>
-        <mc:AlternateContent xmlns:mc="http://schemas.openxmlformats.org/markup-compatibility/2006">
-          <mc:Choice xmlns:p14="http://schemas.microsoft.com/office/powerpoint/2010/main" Requires="p14">
+        <mc:AlternateContent xmlns:mc="http://schemas.openxmlformats.org/markup-compatibility/2006" xmlns:p14="http://schemas.microsoft.com/office/powerpoint/2010/main">
+          <mc:Choice Requires="p14">
             <p:contentPart p14:bwMode="auto" r:id="rId17">
               <p14:nvContentPartPr>
                 <p14:cNvPr id="1025" name="잉크 1024">
@@ -47956,7 +48536,7 @@
               </p14:xfrm>
             </p:contentPart>
           </mc:Choice>
-          <mc:Fallback>
+          <mc:Fallback xmlns="">
             <p:pic>
               <p:nvPicPr>
                 <p:cNvPr id="1025" name="잉크 1024">
@@ -47987,8 +48567,8 @@
             </p:pic>
           </mc:Fallback>
         </mc:AlternateContent>
-        <mc:AlternateContent xmlns:mc="http://schemas.openxmlformats.org/markup-compatibility/2006">
-          <mc:Choice xmlns:p14="http://schemas.microsoft.com/office/powerpoint/2010/main" Requires="p14">
+        <mc:AlternateContent xmlns:mc="http://schemas.openxmlformats.org/markup-compatibility/2006" xmlns:p14="http://schemas.microsoft.com/office/powerpoint/2010/main">
+          <mc:Choice Requires="p14">
             <p:contentPart p14:bwMode="auto" r:id="rId19">
               <p14:nvContentPartPr>
                 <p14:cNvPr id="1027" name="잉크 1026">
@@ -48007,7 +48587,7 @@
               </p14:xfrm>
             </p:contentPart>
           </mc:Choice>
-          <mc:Fallback>
+          <mc:Fallback xmlns="">
             <p:pic>
               <p:nvPicPr>
                 <p:cNvPr id="1027" name="잉크 1026">
@@ -48038,8 +48618,8 @@
             </p:pic>
           </mc:Fallback>
         </mc:AlternateContent>
-        <mc:AlternateContent xmlns:mc="http://schemas.openxmlformats.org/markup-compatibility/2006">
-          <mc:Choice xmlns:p14="http://schemas.microsoft.com/office/powerpoint/2010/main" Requires="p14">
+        <mc:AlternateContent xmlns:mc="http://schemas.openxmlformats.org/markup-compatibility/2006" xmlns:p14="http://schemas.microsoft.com/office/powerpoint/2010/main">
+          <mc:Choice Requires="p14">
             <p:contentPart p14:bwMode="auto" r:id="rId21">
               <p14:nvContentPartPr>
                 <p14:cNvPr id="1033" name="잉크 1032">
@@ -48058,7 +48638,7 @@
               </p14:xfrm>
             </p:contentPart>
           </mc:Choice>
-          <mc:Fallback>
+          <mc:Fallback xmlns="">
             <p:pic>
               <p:nvPicPr>
                 <p:cNvPr id="1033" name="잉크 1032">
@@ -48089,8 +48669,8 @@
             </p:pic>
           </mc:Fallback>
         </mc:AlternateContent>
-        <mc:AlternateContent xmlns:mc="http://schemas.openxmlformats.org/markup-compatibility/2006">
-          <mc:Choice xmlns:p14="http://schemas.microsoft.com/office/powerpoint/2010/main" Requires="p14">
+        <mc:AlternateContent xmlns:mc="http://schemas.openxmlformats.org/markup-compatibility/2006" xmlns:p14="http://schemas.microsoft.com/office/powerpoint/2010/main">
+          <mc:Choice Requires="p14">
             <p:contentPart p14:bwMode="auto" r:id="rId23">
               <p14:nvContentPartPr>
                 <p14:cNvPr id="1034" name="잉크 1033">
@@ -48109,7 +48689,7 @@
               </p14:xfrm>
             </p:contentPart>
           </mc:Choice>
-          <mc:Fallback>
+          <mc:Fallback xmlns="">
             <p:pic>
               <p:nvPicPr>
                 <p:cNvPr id="1034" name="잉크 1033">
@@ -48140,8 +48720,8 @@
             </p:pic>
           </mc:Fallback>
         </mc:AlternateContent>
-        <mc:AlternateContent xmlns:mc="http://schemas.openxmlformats.org/markup-compatibility/2006">
-          <mc:Choice xmlns:p14="http://schemas.microsoft.com/office/powerpoint/2010/main" Requires="p14">
+        <mc:AlternateContent xmlns:mc="http://schemas.openxmlformats.org/markup-compatibility/2006" xmlns:p14="http://schemas.microsoft.com/office/powerpoint/2010/main">
+          <mc:Choice Requires="p14">
             <p:contentPart p14:bwMode="auto" r:id="rId25">
               <p14:nvContentPartPr>
                 <p14:cNvPr id="1035" name="잉크 1034">
@@ -48160,7 +48740,7 @@
               </p14:xfrm>
             </p:contentPart>
           </mc:Choice>
-          <mc:Fallback>
+          <mc:Fallback xmlns="">
             <p:pic>
               <p:nvPicPr>
                 <p:cNvPr id="1035" name="잉크 1034">
@@ -48191,8 +48771,8 @@
             </p:pic>
           </mc:Fallback>
         </mc:AlternateContent>
-        <mc:AlternateContent xmlns:mc="http://schemas.openxmlformats.org/markup-compatibility/2006">
-          <mc:Choice xmlns:p14="http://schemas.microsoft.com/office/powerpoint/2010/main" Requires="p14">
+        <mc:AlternateContent xmlns:mc="http://schemas.openxmlformats.org/markup-compatibility/2006" xmlns:p14="http://schemas.microsoft.com/office/powerpoint/2010/main">
+          <mc:Choice Requires="p14">
             <p:contentPart p14:bwMode="auto" r:id="rId26">
               <p14:nvContentPartPr>
                 <p14:cNvPr id="1036" name="잉크 1035">
@@ -48211,7 +48791,7 @@
               </p14:xfrm>
             </p:contentPart>
           </mc:Choice>
-          <mc:Fallback>
+          <mc:Fallback xmlns="">
             <p:pic>
               <p:nvPicPr>
                 <p:cNvPr id="1036" name="잉크 1035">
@@ -48242,8 +48822,8 @@
             </p:pic>
           </mc:Fallback>
         </mc:AlternateContent>
-        <mc:AlternateContent xmlns:mc="http://schemas.openxmlformats.org/markup-compatibility/2006">
-          <mc:Choice xmlns:p14="http://schemas.microsoft.com/office/powerpoint/2010/main" Requires="p14">
+        <mc:AlternateContent xmlns:mc="http://schemas.openxmlformats.org/markup-compatibility/2006" xmlns:p14="http://schemas.microsoft.com/office/powerpoint/2010/main">
+          <mc:Choice Requires="p14">
             <p:contentPart p14:bwMode="auto" r:id="rId28">
               <p14:nvContentPartPr>
                 <p14:cNvPr id="1037" name="잉크 1036">
@@ -48262,7 +48842,7 @@
               </p14:xfrm>
             </p:contentPart>
           </mc:Choice>
-          <mc:Fallback>
+          <mc:Fallback xmlns="">
             <p:pic>
               <p:nvPicPr>
                 <p:cNvPr id="1037" name="잉크 1036">
@@ -48294,8 +48874,8 @@
           </mc:Fallback>
         </mc:AlternateContent>
       </p:grpSp>
-      <mc:AlternateContent xmlns:mc="http://schemas.openxmlformats.org/markup-compatibility/2006">
-        <mc:Choice xmlns:p14="http://schemas.microsoft.com/office/powerpoint/2010/main" Requires="p14">
+      <mc:AlternateContent xmlns:mc="http://schemas.openxmlformats.org/markup-compatibility/2006" xmlns:p14="http://schemas.microsoft.com/office/powerpoint/2010/main">
+        <mc:Choice Requires="p14">
           <p:contentPart p14:bwMode="auto" r:id="rId30">
             <p14:nvContentPartPr>
               <p14:cNvPr id="3" name="잉크 2">
@@ -48314,7 +48894,7 @@
             </p14:xfrm>
           </p:contentPart>
         </mc:Choice>
-        <mc:Fallback>
+        <mc:Fallback xmlns="">
           <p:pic>
             <p:nvPicPr>
               <p:cNvPr id="3" name="잉크 2">
@@ -48345,8 +48925,8 @@
           </p:pic>
         </mc:Fallback>
       </mc:AlternateContent>
-      <mc:AlternateContent xmlns:mc="http://schemas.openxmlformats.org/markup-compatibility/2006">
-        <mc:Choice xmlns:p14="http://schemas.microsoft.com/office/powerpoint/2010/main" Requires="p14">
+      <mc:AlternateContent xmlns:mc="http://schemas.openxmlformats.org/markup-compatibility/2006" xmlns:p14="http://schemas.microsoft.com/office/powerpoint/2010/main">
+        <mc:Choice Requires="p14">
           <p:contentPart p14:bwMode="auto" r:id="rId32">
             <p14:nvContentPartPr>
               <p14:cNvPr id="4" name="잉크 3">
@@ -48365,7 +48945,7 @@
             </p14:xfrm>
           </p:contentPart>
         </mc:Choice>
-        <mc:Fallback>
+        <mc:Fallback xmlns="">
           <p:pic>
             <p:nvPicPr>
               <p:cNvPr id="4" name="잉크 3">
@@ -48396,8 +48976,8 @@
           </p:pic>
         </mc:Fallback>
       </mc:AlternateContent>
-      <mc:AlternateContent xmlns:mc="http://schemas.openxmlformats.org/markup-compatibility/2006">
-        <mc:Choice xmlns:p14="http://schemas.microsoft.com/office/powerpoint/2010/main" Requires="p14">
+      <mc:AlternateContent xmlns:mc="http://schemas.openxmlformats.org/markup-compatibility/2006" xmlns:p14="http://schemas.microsoft.com/office/powerpoint/2010/main">
+        <mc:Choice Requires="p14">
           <p:contentPart p14:bwMode="auto" r:id="rId34">
             <p14:nvContentPartPr>
               <p14:cNvPr id="5" name="잉크 4">
@@ -48416,7 +48996,7 @@
             </p14:xfrm>
           </p:contentPart>
         </mc:Choice>
-        <mc:Fallback>
+        <mc:Fallback xmlns="">
           <p:pic>
             <p:nvPicPr>
               <p:cNvPr id="5" name="잉크 4">
@@ -48447,8 +49027,8 @@
           </p:pic>
         </mc:Fallback>
       </mc:AlternateContent>
-      <mc:AlternateContent xmlns:mc="http://schemas.openxmlformats.org/markup-compatibility/2006">
-        <mc:Choice xmlns:p14="http://schemas.microsoft.com/office/powerpoint/2010/main" Requires="p14">
+      <mc:AlternateContent xmlns:mc="http://schemas.openxmlformats.org/markup-compatibility/2006" xmlns:p14="http://schemas.microsoft.com/office/powerpoint/2010/main">
+        <mc:Choice Requires="p14">
           <p:contentPart p14:bwMode="auto" r:id="rId36">
             <p14:nvContentPartPr>
               <p14:cNvPr id="6" name="잉크 5">
@@ -48467,7 +49047,7 @@
             </p14:xfrm>
           </p:contentPart>
         </mc:Choice>
-        <mc:Fallback>
+        <mc:Fallback xmlns="">
           <p:pic>
             <p:nvPicPr>
               <p:cNvPr id="6" name="잉크 5">
@@ -48498,8 +49078,8 @@
           </p:pic>
         </mc:Fallback>
       </mc:AlternateContent>
-      <mc:AlternateContent xmlns:mc="http://schemas.openxmlformats.org/markup-compatibility/2006">
-        <mc:Choice xmlns:p14="http://schemas.microsoft.com/office/powerpoint/2010/main" Requires="p14">
+      <mc:AlternateContent xmlns:mc="http://schemas.openxmlformats.org/markup-compatibility/2006" xmlns:p14="http://schemas.microsoft.com/office/powerpoint/2010/main">
+        <mc:Choice Requires="p14">
           <p:contentPart p14:bwMode="auto" r:id="rId38">
             <p14:nvContentPartPr>
               <p14:cNvPr id="7" name="잉크 6">
@@ -48518,7 +49098,7 @@
             </p14:xfrm>
           </p:contentPart>
         </mc:Choice>
-        <mc:Fallback>
+        <mc:Fallback xmlns="">
           <p:pic>
             <p:nvPicPr>
               <p:cNvPr id="7" name="잉크 6">
@@ -48549,8 +49129,8 @@
           </p:pic>
         </mc:Fallback>
       </mc:AlternateContent>
-      <mc:AlternateContent xmlns:mc="http://schemas.openxmlformats.org/markup-compatibility/2006">
-        <mc:Choice xmlns:p14="http://schemas.microsoft.com/office/powerpoint/2010/main" Requires="p14">
+      <mc:AlternateContent xmlns:mc="http://schemas.openxmlformats.org/markup-compatibility/2006" xmlns:p14="http://schemas.microsoft.com/office/powerpoint/2010/main">
+        <mc:Choice Requires="p14">
           <p:contentPart p14:bwMode="auto" r:id="rId40">
             <p14:nvContentPartPr>
               <p14:cNvPr id="8" name="잉크 7">
@@ -48569,7 +49149,7 @@
             </p14:xfrm>
           </p:contentPart>
         </mc:Choice>
-        <mc:Fallback>
+        <mc:Fallback xmlns="">
           <p:pic>
             <p:nvPicPr>
               <p:cNvPr id="8" name="잉크 7">
@@ -48600,8 +49180,8 @@
           </p:pic>
         </mc:Fallback>
       </mc:AlternateContent>
-      <mc:AlternateContent xmlns:mc="http://schemas.openxmlformats.org/markup-compatibility/2006">
-        <mc:Choice xmlns:p14="http://schemas.microsoft.com/office/powerpoint/2010/main" Requires="p14">
+      <mc:AlternateContent xmlns:mc="http://schemas.openxmlformats.org/markup-compatibility/2006" xmlns:p14="http://schemas.microsoft.com/office/powerpoint/2010/main">
+        <mc:Choice Requires="p14">
           <p:contentPart p14:bwMode="auto" r:id="rId42">
             <p14:nvContentPartPr>
               <p14:cNvPr id="9" name="잉크 8">
@@ -48620,7 +49200,7 @@
             </p14:xfrm>
           </p:contentPart>
         </mc:Choice>
-        <mc:Fallback>
+        <mc:Fallback xmlns="">
           <p:pic>
             <p:nvPicPr>
               <p:cNvPr id="9" name="잉크 8">
@@ -48651,8 +49231,8 @@
           </p:pic>
         </mc:Fallback>
       </mc:AlternateContent>
-      <mc:AlternateContent xmlns:mc="http://schemas.openxmlformats.org/markup-compatibility/2006">
-        <mc:Choice xmlns:p14="http://schemas.microsoft.com/office/powerpoint/2010/main" Requires="p14">
+      <mc:AlternateContent xmlns:mc="http://schemas.openxmlformats.org/markup-compatibility/2006" xmlns:p14="http://schemas.microsoft.com/office/powerpoint/2010/main">
+        <mc:Choice Requires="p14">
           <p:contentPart p14:bwMode="auto" r:id="rId44">
             <p14:nvContentPartPr>
               <p14:cNvPr id="10" name="잉크 9">
@@ -48671,7 +49251,7 @@
             </p14:xfrm>
           </p:contentPart>
         </mc:Choice>
-        <mc:Fallback>
+        <mc:Fallback xmlns="">
           <p:pic>
             <p:nvPicPr>
               <p:cNvPr id="10" name="잉크 9">
@@ -48702,8 +49282,8 @@
           </p:pic>
         </mc:Fallback>
       </mc:AlternateContent>
-      <mc:AlternateContent xmlns:mc="http://schemas.openxmlformats.org/markup-compatibility/2006">
-        <mc:Choice xmlns:p14="http://schemas.microsoft.com/office/powerpoint/2010/main" Requires="p14">
+      <mc:AlternateContent xmlns:mc="http://schemas.openxmlformats.org/markup-compatibility/2006" xmlns:p14="http://schemas.microsoft.com/office/powerpoint/2010/main">
+        <mc:Choice Requires="p14">
           <p:contentPart p14:bwMode="auto" r:id="rId46">
             <p14:nvContentPartPr>
               <p14:cNvPr id="1039" name="잉크 1038">
@@ -48722,7 +49302,7 @@
             </p14:xfrm>
           </p:contentPart>
         </mc:Choice>
-        <mc:Fallback>
+        <mc:Fallback xmlns="">
           <p:pic>
             <p:nvPicPr>
               <p:cNvPr id="1039" name="잉크 1038">
@@ -48753,8 +49333,8 @@
           </p:pic>
         </mc:Fallback>
       </mc:AlternateContent>
-      <mc:AlternateContent xmlns:mc="http://schemas.openxmlformats.org/markup-compatibility/2006">
-        <mc:Choice xmlns:p14="http://schemas.microsoft.com/office/powerpoint/2010/main" Requires="p14">
+      <mc:AlternateContent xmlns:mc="http://schemas.openxmlformats.org/markup-compatibility/2006" xmlns:p14="http://schemas.microsoft.com/office/powerpoint/2010/main">
+        <mc:Choice Requires="p14">
           <p:contentPart p14:bwMode="auto" r:id="rId48">
             <p14:nvContentPartPr>
               <p14:cNvPr id="1040" name="잉크 1039">
@@ -48773,7 +49353,7 @@
             </p14:xfrm>
           </p:contentPart>
         </mc:Choice>
-        <mc:Fallback>
+        <mc:Fallback xmlns="">
           <p:pic>
             <p:nvPicPr>
               <p:cNvPr id="1040" name="잉크 1039">
@@ -48804,8 +49384,8 @@
           </p:pic>
         </mc:Fallback>
       </mc:AlternateContent>
-      <mc:AlternateContent xmlns:mc="http://schemas.openxmlformats.org/markup-compatibility/2006">
-        <mc:Choice xmlns:p14="http://schemas.microsoft.com/office/powerpoint/2010/main" Requires="p14">
+      <mc:AlternateContent xmlns:mc="http://schemas.openxmlformats.org/markup-compatibility/2006" xmlns:p14="http://schemas.microsoft.com/office/powerpoint/2010/main">
+        <mc:Choice Requires="p14">
           <p:contentPart p14:bwMode="auto" r:id="rId50">
             <p14:nvContentPartPr>
               <p14:cNvPr id="1042" name="잉크 1041">
@@ -48824,7 +49404,7 @@
             </p14:xfrm>
           </p:contentPart>
         </mc:Choice>
-        <mc:Fallback>
+        <mc:Fallback xmlns="">
           <p:pic>
             <p:nvPicPr>
               <p:cNvPr id="1042" name="잉크 1041">
@@ -48855,8 +49435,8 @@
           </p:pic>
         </mc:Fallback>
       </mc:AlternateContent>
-      <mc:AlternateContent xmlns:mc="http://schemas.openxmlformats.org/markup-compatibility/2006">
-        <mc:Choice xmlns:p14="http://schemas.microsoft.com/office/powerpoint/2010/main" Requires="p14">
+      <mc:AlternateContent xmlns:mc="http://schemas.openxmlformats.org/markup-compatibility/2006" xmlns:p14="http://schemas.microsoft.com/office/powerpoint/2010/main">
+        <mc:Choice Requires="p14">
           <p:contentPart p14:bwMode="auto" r:id="rId52">
             <p14:nvContentPartPr>
               <p14:cNvPr id="1044" name="잉크 1043">
@@ -48875,7 +49455,7 @@
             </p14:xfrm>
           </p:contentPart>
         </mc:Choice>
-        <mc:Fallback>
+        <mc:Fallback xmlns="">
           <p:pic>
             <p:nvPicPr>
               <p:cNvPr id="1044" name="잉크 1043">
@@ -48926,8 +49506,8 @@
             <a:chExt cx="3715920" cy="787680"/>
           </a:xfrm>
         </p:grpSpPr>
-        <mc:AlternateContent xmlns:mc="http://schemas.openxmlformats.org/markup-compatibility/2006">
-          <mc:Choice xmlns:p14="http://schemas.microsoft.com/office/powerpoint/2010/main" Requires="p14">
+        <mc:AlternateContent xmlns:mc="http://schemas.openxmlformats.org/markup-compatibility/2006" xmlns:p14="http://schemas.microsoft.com/office/powerpoint/2010/main">
+          <mc:Choice Requires="p14">
             <p:contentPart p14:bwMode="auto" r:id="rId54">
               <p14:nvContentPartPr>
                 <p14:cNvPr id="21" name="잉크 20">
@@ -48946,7 +49526,7 @@
               </p14:xfrm>
             </p:contentPart>
           </mc:Choice>
-          <mc:Fallback>
+          <mc:Fallback xmlns="">
             <p:pic>
               <p:nvPicPr>
                 <p:cNvPr id="21" name="잉크 20">
@@ -48977,8 +49557,8 @@
             </p:pic>
           </mc:Fallback>
         </mc:AlternateContent>
-        <mc:AlternateContent xmlns:mc="http://schemas.openxmlformats.org/markup-compatibility/2006">
-          <mc:Choice xmlns:p14="http://schemas.microsoft.com/office/powerpoint/2010/main" Requires="p14">
+        <mc:AlternateContent xmlns:mc="http://schemas.openxmlformats.org/markup-compatibility/2006" xmlns:p14="http://schemas.microsoft.com/office/powerpoint/2010/main">
+          <mc:Choice Requires="p14">
             <p:contentPart p14:bwMode="auto" r:id="rId56">
               <p14:nvContentPartPr>
                 <p14:cNvPr id="22" name="잉크 21">
@@ -48997,7 +49577,7 @@
               </p14:xfrm>
             </p:contentPart>
           </mc:Choice>
-          <mc:Fallback>
+          <mc:Fallback xmlns="">
             <p:pic>
               <p:nvPicPr>
                 <p:cNvPr id="22" name="잉크 21">
@@ -49028,8 +49608,8 @@
             </p:pic>
           </mc:Fallback>
         </mc:AlternateContent>
-        <mc:AlternateContent xmlns:mc="http://schemas.openxmlformats.org/markup-compatibility/2006">
-          <mc:Choice xmlns:p14="http://schemas.microsoft.com/office/powerpoint/2010/main" Requires="p14">
+        <mc:AlternateContent xmlns:mc="http://schemas.openxmlformats.org/markup-compatibility/2006" xmlns:p14="http://schemas.microsoft.com/office/powerpoint/2010/main">
+          <mc:Choice Requires="p14">
             <p:contentPart p14:bwMode="auto" r:id="rId58">
               <p14:nvContentPartPr>
                 <p14:cNvPr id="24" name="잉크 23">
@@ -49048,7 +49628,7 @@
               </p14:xfrm>
             </p:contentPart>
           </mc:Choice>
-          <mc:Fallback>
+          <mc:Fallback xmlns="">
             <p:pic>
               <p:nvPicPr>
                 <p:cNvPr id="24" name="잉크 23">
@@ -49079,8 +49659,8 @@
             </p:pic>
           </mc:Fallback>
         </mc:AlternateContent>
-        <mc:AlternateContent xmlns:mc="http://schemas.openxmlformats.org/markup-compatibility/2006">
-          <mc:Choice xmlns:p14="http://schemas.microsoft.com/office/powerpoint/2010/main" Requires="p14">
+        <mc:AlternateContent xmlns:mc="http://schemas.openxmlformats.org/markup-compatibility/2006" xmlns:p14="http://schemas.microsoft.com/office/powerpoint/2010/main">
+          <mc:Choice Requires="p14">
             <p:contentPart p14:bwMode="auto" r:id="rId60">
               <p14:nvContentPartPr>
                 <p14:cNvPr id="1045" name="잉크 1044">
@@ -49099,7 +49679,7 @@
               </p14:xfrm>
             </p:contentPart>
           </mc:Choice>
-          <mc:Fallback>
+          <mc:Fallback xmlns="">
             <p:pic>
               <p:nvPicPr>
                 <p:cNvPr id="1045" name="잉크 1044">
@@ -49151,8 +49731,8 @@
             <a:chExt cx="1568160" cy="519840"/>
           </a:xfrm>
         </p:grpSpPr>
-        <mc:AlternateContent xmlns:mc="http://schemas.openxmlformats.org/markup-compatibility/2006">
-          <mc:Choice xmlns:p14="http://schemas.microsoft.com/office/powerpoint/2010/main" Requires="p14">
+        <mc:AlternateContent xmlns:mc="http://schemas.openxmlformats.org/markup-compatibility/2006" xmlns:p14="http://schemas.microsoft.com/office/powerpoint/2010/main">
+          <mc:Choice Requires="p14">
             <p:contentPart p14:bwMode="auto" r:id="rId62">
               <p14:nvContentPartPr>
                 <p14:cNvPr id="1048" name="잉크 1047">
@@ -49171,7 +49751,7 @@
               </p14:xfrm>
             </p:contentPart>
           </mc:Choice>
-          <mc:Fallback>
+          <mc:Fallback xmlns="">
             <p:pic>
               <p:nvPicPr>
                 <p:cNvPr id="1048" name="잉크 1047">
@@ -49202,8 +49782,8 @@
             </p:pic>
           </mc:Fallback>
         </mc:AlternateContent>
-        <mc:AlternateContent xmlns:mc="http://schemas.openxmlformats.org/markup-compatibility/2006">
-          <mc:Choice xmlns:p14="http://schemas.microsoft.com/office/powerpoint/2010/main" Requires="p14">
+        <mc:AlternateContent xmlns:mc="http://schemas.openxmlformats.org/markup-compatibility/2006" xmlns:p14="http://schemas.microsoft.com/office/powerpoint/2010/main">
+          <mc:Choice Requires="p14">
             <p:contentPart p14:bwMode="auto" r:id="rId64">
               <p14:nvContentPartPr>
                 <p14:cNvPr id="1049" name="잉크 1048">
@@ -49222,7 +49802,7 @@
               </p14:xfrm>
             </p:contentPart>
           </mc:Choice>
-          <mc:Fallback>
+          <mc:Fallback xmlns="">
             <p:pic>
               <p:nvPicPr>
                 <p:cNvPr id="1049" name="잉크 1048">
@@ -49253,8 +49833,8 @@
             </p:pic>
           </mc:Fallback>
         </mc:AlternateContent>
-        <mc:AlternateContent xmlns:mc="http://schemas.openxmlformats.org/markup-compatibility/2006">
-          <mc:Choice xmlns:p14="http://schemas.microsoft.com/office/powerpoint/2010/main" Requires="p14">
+        <mc:AlternateContent xmlns:mc="http://schemas.openxmlformats.org/markup-compatibility/2006" xmlns:p14="http://schemas.microsoft.com/office/powerpoint/2010/main">
+          <mc:Choice Requires="p14">
             <p:contentPart p14:bwMode="auto" r:id="rId66">
               <p14:nvContentPartPr>
                 <p14:cNvPr id="1050" name="잉크 1049">
@@ -49273,7 +49853,7 @@
               </p14:xfrm>
             </p:contentPart>
           </mc:Choice>
-          <mc:Fallback>
+          <mc:Fallback xmlns="">
             <p:pic>
               <p:nvPicPr>
                 <p:cNvPr id="1050" name="잉크 1049">
@@ -49304,8 +49884,8 @@
             </p:pic>
           </mc:Fallback>
         </mc:AlternateContent>
-        <mc:AlternateContent xmlns:mc="http://schemas.openxmlformats.org/markup-compatibility/2006">
-          <mc:Choice xmlns:p14="http://schemas.microsoft.com/office/powerpoint/2010/main" Requires="p14">
+        <mc:AlternateContent xmlns:mc="http://schemas.openxmlformats.org/markup-compatibility/2006" xmlns:p14="http://schemas.microsoft.com/office/powerpoint/2010/main">
+          <mc:Choice Requires="p14">
             <p:contentPart p14:bwMode="auto" r:id="rId68">
               <p14:nvContentPartPr>
                 <p14:cNvPr id="1051" name="잉크 1050">
@@ -49324,7 +49904,7 @@
               </p14:xfrm>
             </p:contentPart>
           </mc:Choice>
-          <mc:Fallback>
+          <mc:Fallback xmlns="">
             <p:pic>
               <p:nvPicPr>
                 <p:cNvPr id="1051" name="잉크 1050">
@@ -49355,8 +49935,8 @@
             </p:pic>
           </mc:Fallback>
         </mc:AlternateContent>
-        <mc:AlternateContent xmlns:mc="http://schemas.openxmlformats.org/markup-compatibility/2006">
-          <mc:Choice xmlns:p14="http://schemas.microsoft.com/office/powerpoint/2010/main" Requires="p14">
+        <mc:AlternateContent xmlns:mc="http://schemas.openxmlformats.org/markup-compatibility/2006" xmlns:p14="http://schemas.microsoft.com/office/powerpoint/2010/main">
+          <mc:Choice Requires="p14">
             <p:contentPart p14:bwMode="auto" r:id="rId70">
               <p14:nvContentPartPr>
                 <p14:cNvPr id="1052" name="잉크 1051">
@@ -49375,7 +49955,7 @@
               </p14:xfrm>
             </p:contentPart>
           </mc:Choice>
-          <mc:Fallback>
+          <mc:Fallback xmlns="">
             <p:pic>
               <p:nvPicPr>
                 <p:cNvPr id="1052" name="잉크 1051">
@@ -49406,8 +49986,8 @@
             </p:pic>
           </mc:Fallback>
         </mc:AlternateContent>
-        <mc:AlternateContent xmlns:mc="http://schemas.openxmlformats.org/markup-compatibility/2006">
-          <mc:Choice xmlns:p14="http://schemas.microsoft.com/office/powerpoint/2010/main" Requires="p14">
+        <mc:AlternateContent xmlns:mc="http://schemas.openxmlformats.org/markup-compatibility/2006" xmlns:p14="http://schemas.microsoft.com/office/powerpoint/2010/main">
+          <mc:Choice Requires="p14">
             <p:contentPart p14:bwMode="auto" r:id="rId72">
               <p14:nvContentPartPr>
                 <p14:cNvPr id="1053" name="잉크 1052">
@@ -49426,7 +50006,7 @@
               </p14:xfrm>
             </p:contentPart>
           </mc:Choice>
-          <mc:Fallback>
+          <mc:Fallback xmlns="">
             <p:pic>
               <p:nvPicPr>
                 <p:cNvPr id="1053" name="잉크 1052">
@@ -49457,8 +50037,8 @@
             </p:pic>
           </mc:Fallback>
         </mc:AlternateContent>
-        <mc:AlternateContent xmlns:mc="http://schemas.openxmlformats.org/markup-compatibility/2006">
-          <mc:Choice xmlns:p14="http://schemas.microsoft.com/office/powerpoint/2010/main" Requires="p14">
+        <mc:AlternateContent xmlns:mc="http://schemas.openxmlformats.org/markup-compatibility/2006" xmlns:p14="http://schemas.microsoft.com/office/powerpoint/2010/main">
+          <mc:Choice Requires="p14">
             <p:contentPart p14:bwMode="auto" r:id="rId74">
               <p14:nvContentPartPr>
                 <p14:cNvPr id="1054" name="잉크 1053">
@@ -49477,7 +50057,7 @@
               </p14:xfrm>
             </p:contentPart>
           </mc:Choice>
-          <mc:Fallback>
+          <mc:Fallback xmlns="">
             <p:pic>
               <p:nvPicPr>
                 <p:cNvPr id="1054" name="잉크 1053">
@@ -49508,8 +50088,8 @@
             </p:pic>
           </mc:Fallback>
         </mc:AlternateContent>
-        <mc:AlternateContent xmlns:mc="http://schemas.openxmlformats.org/markup-compatibility/2006">
-          <mc:Choice xmlns:p14="http://schemas.microsoft.com/office/powerpoint/2010/main" Requires="p14">
+        <mc:AlternateContent xmlns:mc="http://schemas.openxmlformats.org/markup-compatibility/2006" xmlns:p14="http://schemas.microsoft.com/office/powerpoint/2010/main">
+          <mc:Choice Requires="p14">
             <p:contentPart p14:bwMode="auto" r:id="rId76">
               <p14:nvContentPartPr>
                 <p14:cNvPr id="1055" name="잉크 1054">
@@ -49528,7 +50108,7 @@
               </p14:xfrm>
             </p:contentPart>
           </mc:Choice>
-          <mc:Fallback>
+          <mc:Fallback xmlns="">
             <p:pic>
               <p:nvPicPr>
                 <p:cNvPr id="1055" name="잉크 1054">
@@ -49559,8 +50139,8 @@
             </p:pic>
           </mc:Fallback>
         </mc:AlternateContent>
-        <mc:AlternateContent xmlns:mc="http://schemas.openxmlformats.org/markup-compatibility/2006">
-          <mc:Choice xmlns:p14="http://schemas.microsoft.com/office/powerpoint/2010/main" Requires="p14">
+        <mc:AlternateContent xmlns:mc="http://schemas.openxmlformats.org/markup-compatibility/2006" xmlns:p14="http://schemas.microsoft.com/office/powerpoint/2010/main">
+          <mc:Choice Requires="p14">
             <p:contentPart p14:bwMode="auto" r:id="rId78">
               <p14:nvContentPartPr>
                 <p14:cNvPr id="1056" name="잉크 1055">
@@ -49579,7 +50159,7 @@
               </p14:xfrm>
             </p:contentPart>
           </mc:Choice>
-          <mc:Fallback>
+          <mc:Fallback xmlns="">
             <p:pic>
               <p:nvPicPr>
                 <p:cNvPr id="1056" name="잉크 1055">
@@ -49610,8 +50190,8 @@
             </p:pic>
           </mc:Fallback>
         </mc:AlternateContent>
-        <mc:AlternateContent xmlns:mc="http://schemas.openxmlformats.org/markup-compatibility/2006">
-          <mc:Choice xmlns:p14="http://schemas.microsoft.com/office/powerpoint/2010/main" Requires="p14">
+        <mc:AlternateContent xmlns:mc="http://schemas.openxmlformats.org/markup-compatibility/2006" xmlns:p14="http://schemas.microsoft.com/office/powerpoint/2010/main">
+          <mc:Choice Requires="p14">
             <p:contentPart p14:bwMode="auto" r:id="rId80">
               <p14:nvContentPartPr>
                 <p14:cNvPr id="1057" name="잉크 1056">
@@ -49630,7 +50210,7 @@
               </p14:xfrm>
             </p:contentPart>
           </mc:Choice>
-          <mc:Fallback>
+          <mc:Fallback xmlns="">
             <p:pic>
               <p:nvPicPr>
                 <p:cNvPr id="1057" name="잉크 1056">
@@ -49661,8 +50241,8 @@
             </p:pic>
           </mc:Fallback>
         </mc:AlternateContent>
-        <mc:AlternateContent xmlns:mc="http://schemas.openxmlformats.org/markup-compatibility/2006">
-          <mc:Choice xmlns:p14="http://schemas.microsoft.com/office/powerpoint/2010/main" Requires="p14">
+        <mc:AlternateContent xmlns:mc="http://schemas.openxmlformats.org/markup-compatibility/2006" xmlns:p14="http://schemas.microsoft.com/office/powerpoint/2010/main">
+          <mc:Choice Requires="p14">
             <p:contentPart p14:bwMode="auto" r:id="rId82">
               <p14:nvContentPartPr>
                 <p14:cNvPr id="1058" name="잉크 1057">
@@ -49681,7 +50261,7 @@
               </p14:xfrm>
             </p:contentPart>
           </mc:Choice>
-          <mc:Fallback>
+          <mc:Fallback xmlns="">
             <p:pic>
               <p:nvPicPr>
                 <p:cNvPr id="1058" name="잉크 1057">
@@ -49712,8 +50292,8 @@
             </p:pic>
           </mc:Fallback>
         </mc:AlternateContent>
-        <mc:AlternateContent xmlns:mc="http://schemas.openxmlformats.org/markup-compatibility/2006">
-          <mc:Choice xmlns:p14="http://schemas.microsoft.com/office/powerpoint/2010/main" Requires="p14">
+        <mc:AlternateContent xmlns:mc="http://schemas.openxmlformats.org/markup-compatibility/2006" xmlns:p14="http://schemas.microsoft.com/office/powerpoint/2010/main">
+          <mc:Choice Requires="p14">
             <p:contentPart p14:bwMode="auto" r:id="rId84">
               <p14:nvContentPartPr>
                 <p14:cNvPr id="1059" name="잉크 1058">
@@ -49732,7 +50312,7 @@
               </p14:xfrm>
             </p:contentPart>
           </mc:Choice>
-          <mc:Fallback>
+          <mc:Fallback xmlns="">
             <p:pic>
               <p:nvPicPr>
                 <p:cNvPr id="1059" name="잉크 1058">
@@ -49763,8 +50343,8 @@
             </p:pic>
           </mc:Fallback>
         </mc:AlternateContent>
-        <mc:AlternateContent xmlns:mc="http://schemas.openxmlformats.org/markup-compatibility/2006">
-          <mc:Choice xmlns:p14="http://schemas.microsoft.com/office/powerpoint/2010/main" Requires="p14">
+        <mc:AlternateContent xmlns:mc="http://schemas.openxmlformats.org/markup-compatibility/2006" xmlns:p14="http://schemas.microsoft.com/office/powerpoint/2010/main">
+          <mc:Choice Requires="p14">
             <p:contentPart p14:bwMode="auto" r:id="rId86">
               <p14:nvContentPartPr>
                 <p14:cNvPr id="1060" name="잉크 1059">
@@ -49783,7 +50363,7 @@
               </p14:xfrm>
             </p:contentPart>
           </mc:Choice>
-          <mc:Fallback>
+          <mc:Fallback xmlns="">
             <p:pic>
               <p:nvPicPr>
                 <p:cNvPr id="1060" name="잉크 1059">
@@ -49814,8 +50394,8 @@
             </p:pic>
           </mc:Fallback>
         </mc:AlternateContent>
-        <mc:AlternateContent xmlns:mc="http://schemas.openxmlformats.org/markup-compatibility/2006">
-          <mc:Choice xmlns:p14="http://schemas.microsoft.com/office/powerpoint/2010/main" Requires="p14">
+        <mc:AlternateContent xmlns:mc="http://schemas.openxmlformats.org/markup-compatibility/2006" xmlns:p14="http://schemas.microsoft.com/office/powerpoint/2010/main">
+          <mc:Choice Requires="p14">
             <p:contentPart p14:bwMode="auto" r:id="rId88">
               <p14:nvContentPartPr>
                 <p14:cNvPr id="1061" name="잉크 1060">
@@ -49834,7 +50414,7 @@
               </p14:xfrm>
             </p:contentPart>
           </mc:Choice>
-          <mc:Fallback>
+          <mc:Fallback xmlns="">
             <p:pic>
               <p:nvPicPr>
                 <p:cNvPr id="1061" name="잉크 1060">
@@ -49865,8 +50445,8 @@
             </p:pic>
           </mc:Fallback>
         </mc:AlternateContent>
-        <mc:AlternateContent xmlns:mc="http://schemas.openxmlformats.org/markup-compatibility/2006">
-          <mc:Choice xmlns:p14="http://schemas.microsoft.com/office/powerpoint/2010/main" Requires="p14">
+        <mc:AlternateContent xmlns:mc="http://schemas.openxmlformats.org/markup-compatibility/2006" xmlns:p14="http://schemas.microsoft.com/office/powerpoint/2010/main">
+          <mc:Choice Requires="p14">
             <p:contentPart p14:bwMode="auto" r:id="rId90">
               <p14:nvContentPartPr>
                 <p14:cNvPr id="1062" name="잉크 1061">
@@ -49885,7 +50465,7 @@
               </p14:xfrm>
             </p:contentPart>
           </mc:Choice>
-          <mc:Fallback>
+          <mc:Fallback xmlns="">
             <p:pic>
               <p:nvPicPr>
                 <p:cNvPr id="1062" name="잉크 1061">
@@ -49937,8 +50517,8 @@
             <a:chExt cx="1330920" cy="328680"/>
           </a:xfrm>
         </p:grpSpPr>
-        <mc:AlternateContent xmlns:mc="http://schemas.openxmlformats.org/markup-compatibility/2006">
-          <mc:Choice xmlns:p14="http://schemas.microsoft.com/office/powerpoint/2010/main" Requires="p14">
+        <mc:AlternateContent xmlns:mc="http://schemas.openxmlformats.org/markup-compatibility/2006" xmlns:p14="http://schemas.microsoft.com/office/powerpoint/2010/main">
+          <mc:Choice Requires="p14">
             <p:contentPart p14:bwMode="auto" r:id="rId92">
               <p14:nvContentPartPr>
                 <p14:cNvPr id="11" name="잉크 10">
@@ -49957,7 +50537,7 @@
               </p14:xfrm>
             </p:contentPart>
           </mc:Choice>
-          <mc:Fallback>
+          <mc:Fallback xmlns="">
             <p:pic>
               <p:nvPicPr>
                 <p:cNvPr id="11" name="잉크 10">
@@ -49988,8 +50568,8 @@
             </p:pic>
           </mc:Fallback>
         </mc:AlternateContent>
-        <mc:AlternateContent xmlns:mc="http://schemas.openxmlformats.org/markup-compatibility/2006">
-          <mc:Choice xmlns:p14="http://schemas.microsoft.com/office/powerpoint/2010/main" Requires="p14">
+        <mc:AlternateContent xmlns:mc="http://schemas.openxmlformats.org/markup-compatibility/2006" xmlns:p14="http://schemas.microsoft.com/office/powerpoint/2010/main">
+          <mc:Choice Requires="p14">
             <p:contentPart p14:bwMode="auto" r:id="rId94">
               <p14:nvContentPartPr>
                 <p14:cNvPr id="12" name="잉크 11">
@@ -50008,7 +50588,7 @@
               </p14:xfrm>
             </p:contentPart>
           </mc:Choice>
-          <mc:Fallback>
+          <mc:Fallback xmlns="">
             <p:pic>
               <p:nvPicPr>
                 <p:cNvPr id="12" name="잉크 11">
@@ -50039,8 +50619,8 @@
             </p:pic>
           </mc:Fallback>
         </mc:AlternateContent>
-        <mc:AlternateContent xmlns:mc="http://schemas.openxmlformats.org/markup-compatibility/2006">
-          <mc:Choice xmlns:p14="http://schemas.microsoft.com/office/powerpoint/2010/main" Requires="p14">
+        <mc:AlternateContent xmlns:mc="http://schemas.openxmlformats.org/markup-compatibility/2006" xmlns:p14="http://schemas.microsoft.com/office/powerpoint/2010/main">
+          <mc:Choice Requires="p14">
             <p:contentPart p14:bwMode="auto" r:id="rId96">
               <p14:nvContentPartPr>
                 <p14:cNvPr id="13" name="잉크 12">
@@ -50059,7 +50639,7 @@
               </p14:xfrm>
             </p:contentPart>
           </mc:Choice>
-          <mc:Fallback>
+          <mc:Fallback xmlns="">
             <p:pic>
               <p:nvPicPr>
                 <p:cNvPr id="13" name="잉크 12">
@@ -50090,8 +50670,8 @@
             </p:pic>
           </mc:Fallback>
         </mc:AlternateContent>
-        <mc:AlternateContent xmlns:mc="http://schemas.openxmlformats.org/markup-compatibility/2006">
-          <mc:Choice xmlns:p14="http://schemas.microsoft.com/office/powerpoint/2010/main" Requires="p14">
+        <mc:AlternateContent xmlns:mc="http://schemas.openxmlformats.org/markup-compatibility/2006" xmlns:p14="http://schemas.microsoft.com/office/powerpoint/2010/main">
+          <mc:Choice Requires="p14">
             <p:contentPart p14:bwMode="auto" r:id="rId98">
               <p14:nvContentPartPr>
                 <p14:cNvPr id="14" name="잉크 13">
@@ -50110,7 +50690,7 @@
               </p14:xfrm>
             </p:contentPart>
           </mc:Choice>
-          <mc:Fallback>
+          <mc:Fallback xmlns="">
             <p:pic>
               <p:nvPicPr>
                 <p:cNvPr id="14" name="잉크 13">
@@ -50141,8 +50721,8 @@
             </p:pic>
           </mc:Fallback>
         </mc:AlternateContent>
-        <mc:AlternateContent xmlns:mc="http://schemas.openxmlformats.org/markup-compatibility/2006">
-          <mc:Choice xmlns:p14="http://schemas.microsoft.com/office/powerpoint/2010/main" Requires="p14">
+        <mc:AlternateContent xmlns:mc="http://schemas.openxmlformats.org/markup-compatibility/2006" xmlns:p14="http://schemas.microsoft.com/office/powerpoint/2010/main">
+          <mc:Choice Requires="p14">
             <p:contentPart p14:bwMode="auto" r:id="rId100">
               <p14:nvContentPartPr>
                 <p14:cNvPr id="15" name="잉크 14">
@@ -50161,7 +50741,7 @@
               </p14:xfrm>
             </p:contentPart>
           </mc:Choice>
-          <mc:Fallback>
+          <mc:Fallback xmlns="">
             <p:pic>
               <p:nvPicPr>
                 <p:cNvPr id="15" name="잉크 14">
@@ -50192,8 +50772,8 @@
             </p:pic>
           </mc:Fallback>
         </mc:AlternateContent>
-        <mc:AlternateContent xmlns:mc="http://schemas.openxmlformats.org/markup-compatibility/2006">
-          <mc:Choice xmlns:p14="http://schemas.microsoft.com/office/powerpoint/2010/main" Requires="p14">
+        <mc:AlternateContent xmlns:mc="http://schemas.openxmlformats.org/markup-compatibility/2006" xmlns:p14="http://schemas.microsoft.com/office/powerpoint/2010/main">
+          <mc:Choice Requires="p14">
             <p:contentPart p14:bwMode="auto" r:id="rId102">
               <p14:nvContentPartPr>
                 <p14:cNvPr id="16" name="잉크 15">
@@ -50212,7 +50792,7 @@
               </p14:xfrm>
             </p:contentPart>
           </mc:Choice>
-          <mc:Fallback>
+          <mc:Fallback xmlns="">
             <p:pic>
               <p:nvPicPr>
                 <p:cNvPr id="16" name="잉크 15">
@@ -50243,8 +50823,8 @@
             </p:pic>
           </mc:Fallback>
         </mc:AlternateContent>
-        <mc:AlternateContent xmlns:mc="http://schemas.openxmlformats.org/markup-compatibility/2006">
-          <mc:Choice xmlns:p14="http://schemas.microsoft.com/office/powerpoint/2010/main" Requires="p14">
+        <mc:AlternateContent xmlns:mc="http://schemas.openxmlformats.org/markup-compatibility/2006" xmlns:p14="http://schemas.microsoft.com/office/powerpoint/2010/main">
+          <mc:Choice Requires="p14">
             <p:contentPart p14:bwMode="auto" r:id="rId104">
               <p14:nvContentPartPr>
                 <p14:cNvPr id="17" name="잉크 16">
@@ -50263,7 +50843,7 @@
               </p14:xfrm>
             </p:contentPart>
           </mc:Choice>
-          <mc:Fallback>
+          <mc:Fallback xmlns="">
             <p:pic>
               <p:nvPicPr>
                 <p:cNvPr id="17" name="잉크 16">
@@ -50294,8 +50874,8 @@
             </p:pic>
           </mc:Fallback>
         </mc:AlternateContent>
-        <mc:AlternateContent xmlns:mc="http://schemas.openxmlformats.org/markup-compatibility/2006">
-          <mc:Choice xmlns:p14="http://schemas.microsoft.com/office/powerpoint/2010/main" Requires="p14">
+        <mc:AlternateContent xmlns:mc="http://schemas.openxmlformats.org/markup-compatibility/2006" xmlns:p14="http://schemas.microsoft.com/office/powerpoint/2010/main">
+          <mc:Choice Requires="p14">
             <p:contentPart p14:bwMode="auto" r:id="rId106">
               <p14:nvContentPartPr>
                 <p14:cNvPr id="18" name="잉크 17">
@@ -50314,7 +50894,7 @@
               </p14:xfrm>
             </p:contentPart>
           </mc:Choice>
-          <mc:Fallback>
+          <mc:Fallback xmlns="">
             <p:pic>
               <p:nvPicPr>
                 <p:cNvPr id="18" name="잉크 17">
@@ -50345,8 +50925,8 @@
             </p:pic>
           </mc:Fallback>
         </mc:AlternateContent>
-        <mc:AlternateContent xmlns:mc="http://schemas.openxmlformats.org/markup-compatibility/2006">
-          <mc:Choice xmlns:p14="http://schemas.microsoft.com/office/powerpoint/2010/main" Requires="p14">
+        <mc:AlternateContent xmlns:mc="http://schemas.openxmlformats.org/markup-compatibility/2006" xmlns:p14="http://schemas.microsoft.com/office/powerpoint/2010/main">
+          <mc:Choice Requires="p14">
             <p:contentPart p14:bwMode="auto" r:id="rId108">
               <p14:nvContentPartPr>
                 <p14:cNvPr id="1065" name="잉크 1064">
@@ -50365,7 +50945,7 @@
               </p14:xfrm>
             </p:contentPart>
           </mc:Choice>
-          <mc:Fallback>
+          <mc:Fallback xmlns="">
             <p:pic>
               <p:nvPicPr>
                 <p:cNvPr id="1065" name="잉크 1064">
@@ -50397,8 +50977,8 @@
           </mc:Fallback>
         </mc:AlternateContent>
       </p:grpSp>
-      <mc:AlternateContent xmlns:mc="http://schemas.openxmlformats.org/markup-compatibility/2006">
-        <mc:Choice xmlns:p14="http://schemas.microsoft.com/office/powerpoint/2010/main" Requires="p14">
+      <mc:AlternateContent xmlns:mc="http://schemas.openxmlformats.org/markup-compatibility/2006" xmlns:p14="http://schemas.microsoft.com/office/powerpoint/2010/main">
+        <mc:Choice Requires="p14">
           <p:contentPart p14:bwMode="auto" r:id="rId110">
             <p14:nvContentPartPr>
               <p14:cNvPr id="1067" name="잉크 1066">
@@ -50417,7 +50997,7 @@
             </p14:xfrm>
           </p:contentPart>
         </mc:Choice>
-        <mc:Fallback>
+        <mc:Fallback xmlns="">
           <p:pic>
             <p:nvPicPr>
               <p:cNvPr id="1067" name="잉크 1066">
@@ -52025,4 +52605,299 @@
     </a:ext>
   </a:extLst>
 </a:theme>
+</file>
+
+<file path=ppt/theme/theme4.xml><?xml version="1.0" encoding="utf-8"?>
+<a:theme xmlns:a="http://schemas.openxmlformats.org/drawingml/2006/main" name="Office 테마">
+  <a:themeElements>
+    <a:clrScheme name="Office">
+      <a:dk1>
+        <a:sysClr val="windowText" lastClr="000000"/>
+      </a:dk1>
+      <a:lt1>
+        <a:sysClr val="window" lastClr="FFFFFF"/>
+      </a:lt1>
+      <a:dk2>
+        <a:srgbClr val="44546A"/>
+      </a:dk2>
+      <a:lt2>
+        <a:srgbClr val="E7E6E6"/>
+      </a:lt2>
+      <a:accent1>
+        <a:srgbClr val="4472C4"/>
+      </a:accent1>
+      <a:accent2>
+        <a:srgbClr val="ED7D31"/>
+      </a:accent2>
+      <a:accent3>
+        <a:srgbClr val="A5A5A5"/>
+      </a:accent3>
+      <a:accent4>
+        <a:srgbClr val="FFC000"/>
+      </a:accent4>
+      <a:accent5>
+        <a:srgbClr val="5B9BD5"/>
+      </a:accent5>
+      <a:accent6>
+        <a:srgbClr val="70AD47"/>
+      </a:accent6>
+      <a:hlink>
+        <a:srgbClr val="0563C1"/>
+      </a:hlink>
+      <a:folHlink>
+        <a:srgbClr val="954F72"/>
+      </a:folHlink>
+    </a:clrScheme>
+    <a:fontScheme name="Office">
+      <a:majorFont>
+        <a:latin typeface="맑은 고딕" panose="020F0302020204030204"/>
+        <a:ea typeface=""/>
+        <a:cs typeface=""/>
+        <a:font script="Jpan" typeface="游ゴシック Light"/>
+        <a:font script="Hang" typeface="맑은 고딕"/>
+        <a:font script="Hans" typeface="等线 Light"/>
+        <a:font script="Hant" typeface="新細明體"/>
+        <a:font script="Arab" typeface="Times New Roman"/>
+        <a:font script="Hebr" typeface="Times New Roman"/>
+        <a:font script="Thai" typeface="Angsana New"/>
+        <a:font script="Ethi" typeface="Nyala"/>
+        <a:font script="Beng" typeface="Vrinda"/>
+        <a:font script="Gujr" typeface="Shruti"/>
+        <a:font script="Khmr" typeface="MoolBoran"/>
+        <a:font script="Knda" typeface="Tunga"/>
+        <a:font script="Guru" typeface="Raavi"/>
+        <a:font script="Cans" typeface="Euphemia"/>
+        <a:font script="Cher" typeface="Plantagenet Cherokee"/>
+        <a:font script="Yiii" typeface="Microsoft Yi Baiti"/>
+        <a:font script="Tibt" typeface="Microsoft Himalaya"/>
+        <a:font script="Thaa" typeface="MV Boli"/>
+        <a:font script="Deva" typeface="Mangal"/>
+        <a:font script="Telu" typeface="Gautami"/>
+        <a:font script="Taml" typeface="Latha"/>
+        <a:font script="Syrc" typeface="Estrangelo Edessa"/>
+        <a:font script="Orya" typeface="Kalinga"/>
+        <a:font script="Mlym" typeface="Kartika"/>
+        <a:font script="Laoo" typeface="DokChampa"/>
+        <a:font script="Sinh" typeface="Iskoola Pota"/>
+        <a:font script="Mong" typeface="Mongolian Baiti"/>
+        <a:font script="Viet" typeface="Times New Roman"/>
+        <a:font script="Uigh" typeface="Microsoft Uighur"/>
+        <a:font script="Geor" typeface="Sylfaen"/>
+        <a:font script="Armn" typeface="Arial"/>
+        <a:font script="Bugi" typeface="Leelawadee UI"/>
+        <a:font script="Bopo" typeface="Microsoft JhengHei"/>
+        <a:font script="Java" typeface="Javanese Text"/>
+        <a:font script="Lisu" typeface="Segoe UI"/>
+        <a:font script="Mymr" typeface="Myanmar Text"/>
+        <a:font script="Nkoo" typeface="Ebrima"/>
+        <a:font script="Olck" typeface="Nirmala UI"/>
+        <a:font script="Osma" typeface="Ebrima"/>
+        <a:font script="Phag" typeface="Phagspa"/>
+        <a:font script="Syrn" typeface="Estrangelo Edessa"/>
+        <a:font script="Syrj" typeface="Estrangelo Edessa"/>
+        <a:font script="Syre" typeface="Estrangelo Edessa"/>
+        <a:font script="Sora" typeface="Nirmala UI"/>
+        <a:font script="Tale" typeface="Microsoft Tai Le"/>
+        <a:font script="Talu" typeface="Microsoft New Tai Lue"/>
+        <a:font script="Tfng" typeface="Ebrima"/>
+      </a:majorFont>
+      <a:minorFont>
+        <a:latin typeface="맑은 고딕" panose="020F0502020204030204"/>
+        <a:ea typeface=""/>
+        <a:cs typeface=""/>
+        <a:font script="Jpan" typeface="游ゴシック"/>
+        <a:font script="Hang" typeface="맑은 고딕"/>
+        <a:font script="Hans" typeface="等线"/>
+        <a:font script="Hant" typeface="新細明體"/>
+        <a:font script="Arab" typeface="Arial"/>
+        <a:font script="Hebr" typeface="Arial"/>
+        <a:font script="Thai" typeface="Cordia New"/>
+        <a:font script="Ethi" typeface="Nyala"/>
+        <a:font script="Beng" typeface="Vrinda"/>
+        <a:font script="Gujr" typeface="Shruti"/>
+        <a:font script="Khmr" typeface="DaunPenh"/>
+        <a:font script="Knda" typeface="Tunga"/>
+        <a:font script="Guru" typeface="Raavi"/>
+        <a:font script="Cans" typeface="Euphemia"/>
+        <a:font script="Cher" typeface="Plantagenet Cherokee"/>
+        <a:font script="Yiii" typeface="Microsoft Yi Baiti"/>
+        <a:font script="Tibt" typeface="Microsoft Himalaya"/>
+        <a:font script="Thaa" typeface="MV Boli"/>
+        <a:font script="Deva" typeface="Mangal"/>
+        <a:font script="Telu" typeface="Gautami"/>
+        <a:font script="Taml" typeface="Latha"/>
+        <a:font script="Syrc" typeface="Estrangelo Edessa"/>
+        <a:font script="Orya" typeface="Kalinga"/>
+        <a:font script="Mlym" typeface="Kartika"/>
+        <a:font script="Laoo" typeface="DokChampa"/>
+        <a:font script="Sinh" typeface="Iskoola Pota"/>
+        <a:font script="Mong" typeface="Mongolian Baiti"/>
+        <a:font script="Viet" typeface="Arial"/>
+        <a:font script="Uigh" typeface="Microsoft Uighur"/>
+        <a:font script="Geor" typeface="Sylfaen"/>
+        <a:font script="Armn" typeface="Arial"/>
+        <a:font script="Bugi" typeface="Leelawadee UI"/>
+        <a:font script="Bopo" typeface="Microsoft JhengHei"/>
+        <a:font script="Java" typeface="Javanese Text"/>
+        <a:font script="Lisu" typeface="Segoe UI"/>
+        <a:font script="Mymr" typeface="Myanmar Text"/>
+        <a:font script="Nkoo" typeface="Ebrima"/>
+        <a:font script="Olck" typeface="Nirmala UI"/>
+        <a:font script="Osma" typeface="Ebrima"/>
+        <a:font script="Phag" typeface="Phagspa"/>
+        <a:font script="Syrn" typeface="Estrangelo Edessa"/>
+        <a:font script="Syrj" typeface="Estrangelo Edessa"/>
+        <a:font script="Syre" typeface="Estrangelo Edessa"/>
+        <a:font script="Sora" typeface="Nirmala UI"/>
+        <a:font script="Tale" typeface="Microsoft Tai Le"/>
+        <a:font script="Talu" typeface="Microsoft New Tai Lue"/>
+        <a:font script="Tfng" typeface="Ebrima"/>
+      </a:minorFont>
+    </a:fontScheme>
+    <a:fmtScheme name="Office">
+      <a:fillStyleLst>
+        <a:solidFill>
+          <a:schemeClr val="phClr"/>
+        </a:solidFill>
+        <a:gradFill rotWithShape="1">
+          <a:gsLst>
+            <a:gs pos="0">
+              <a:schemeClr val="phClr">
+                <a:lumMod val="110000"/>
+                <a:satMod val="105000"/>
+                <a:tint val="67000"/>
+              </a:schemeClr>
+            </a:gs>
+            <a:gs pos="50000">
+              <a:schemeClr val="phClr">
+                <a:lumMod val="105000"/>
+                <a:satMod val="103000"/>
+                <a:tint val="73000"/>
+              </a:schemeClr>
+            </a:gs>
+            <a:gs pos="100000">
+              <a:schemeClr val="phClr">
+                <a:lumMod val="105000"/>
+                <a:satMod val="109000"/>
+                <a:tint val="81000"/>
+              </a:schemeClr>
+            </a:gs>
+          </a:gsLst>
+          <a:lin ang="5400000" scaled="0"/>
+        </a:gradFill>
+        <a:gradFill rotWithShape="1">
+          <a:gsLst>
+            <a:gs pos="0">
+              <a:schemeClr val="phClr">
+                <a:satMod val="103000"/>
+                <a:lumMod val="102000"/>
+                <a:tint val="94000"/>
+              </a:schemeClr>
+            </a:gs>
+            <a:gs pos="50000">
+              <a:schemeClr val="phClr">
+                <a:satMod val="110000"/>
+                <a:lumMod val="100000"/>
+                <a:shade val="100000"/>
+              </a:schemeClr>
+            </a:gs>
+            <a:gs pos="100000">
+              <a:schemeClr val="phClr">
+                <a:lumMod val="99000"/>
+                <a:satMod val="120000"/>
+                <a:shade val="78000"/>
+              </a:schemeClr>
+            </a:gs>
+          </a:gsLst>
+          <a:lin ang="5400000" scaled="0"/>
+        </a:gradFill>
+      </a:fillStyleLst>
+      <a:lnStyleLst>
+        <a:ln w="6350" cap="flat" cmpd="sng" algn="ctr">
+          <a:solidFill>
+            <a:schemeClr val="phClr"/>
+          </a:solidFill>
+          <a:prstDash val="solid"/>
+          <a:miter lim="800000"/>
+        </a:ln>
+        <a:ln w="12700" cap="flat" cmpd="sng" algn="ctr">
+          <a:solidFill>
+            <a:schemeClr val="phClr"/>
+          </a:solidFill>
+          <a:prstDash val="solid"/>
+          <a:miter lim="800000"/>
+        </a:ln>
+        <a:ln w="19050" cap="flat" cmpd="sng" algn="ctr">
+          <a:solidFill>
+            <a:schemeClr val="phClr"/>
+          </a:solidFill>
+          <a:prstDash val="solid"/>
+          <a:miter lim="800000"/>
+        </a:ln>
+      </a:lnStyleLst>
+      <a:effectStyleLst>
+        <a:effectStyle>
+          <a:effectLst/>
+        </a:effectStyle>
+        <a:effectStyle>
+          <a:effectLst/>
+        </a:effectStyle>
+        <a:effectStyle>
+          <a:effectLst>
+            <a:outerShdw blurRad="57150" dist="19050" dir="5400000" algn="ctr" rotWithShape="0">
+              <a:srgbClr val="000000">
+                <a:alpha val="63000"/>
+              </a:srgbClr>
+            </a:outerShdw>
+          </a:effectLst>
+        </a:effectStyle>
+      </a:effectStyleLst>
+      <a:bgFillStyleLst>
+        <a:solidFill>
+          <a:schemeClr val="phClr"/>
+        </a:solidFill>
+        <a:solidFill>
+          <a:schemeClr val="phClr">
+            <a:tint val="95000"/>
+            <a:satMod val="170000"/>
+          </a:schemeClr>
+        </a:solidFill>
+        <a:gradFill rotWithShape="1">
+          <a:gsLst>
+            <a:gs pos="0">
+              <a:schemeClr val="phClr">
+                <a:tint val="93000"/>
+                <a:satMod val="150000"/>
+                <a:shade val="98000"/>
+                <a:lumMod val="102000"/>
+              </a:schemeClr>
+            </a:gs>
+            <a:gs pos="50000">
+              <a:schemeClr val="phClr">
+                <a:tint val="98000"/>
+                <a:satMod val="130000"/>
+                <a:shade val="90000"/>
+                <a:lumMod val="103000"/>
+              </a:schemeClr>
+            </a:gs>
+            <a:gs pos="100000">
+              <a:schemeClr val="phClr">
+                <a:shade val="63000"/>
+                <a:satMod val="120000"/>
+              </a:schemeClr>
+            </a:gs>
+          </a:gsLst>
+          <a:lin ang="5400000" scaled="0"/>
+        </a:gradFill>
+      </a:bgFillStyleLst>
+    </a:fmtScheme>
+  </a:themeElements>
+  <a:objectDefaults/>
+  <a:extraClrSchemeLst/>
+  <a:extLst>
+    <a:ext uri="{05A4C25C-085E-4340-85A3-A5531E510DB2}">
+      <thm15:themeFamily xmlns:thm15="http://schemas.microsoft.com/office/thememl/2012/main" name="Office Theme" id="{62F939B6-93AF-4DB8-9C6B-D6C7DFDC589F}" vid="{4A3C46E8-61CC-4603-A589-7422A47A8E4A}"/>
+    </a:ext>
+  </a:extLst>
+</a:theme>
 </file>